--- a/산학_Compass팀 _화면 정의서.pptx
+++ b/산학_Compass팀 _화면 정의서.pptx
@@ -112,6 +112,11 @@
       </a:defRPr>
     </a:lvl9pPr>
   </p:defaultTextStyle>
+  <p:extLst>
+    <p:ext uri="{EFAFB233-063F-42B5-8137-9DF3F51BA10A}">
+      <p15:sldGuideLst xmlns:p15="http://schemas.microsoft.com/office/powerpoint/2012/main"/>
+    </p:ext>
+  </p:extLst>
 </p:presentation>
 </file>
 
@@ -262,7 +267,7 @@
           <a:p>
             <a:fld id="{B41B5506-225D-4150-82F2-8D298BC774E2}" type="datetimeFigureOut">
               <a:rPr lang="ko-KR" altLang="en-US" smtClean="0"/>
-              <a:t>2024-10-24</a:t>
+              <a:t>2024-10-28</a:t>
             </a:fld>
             <a:endParaRPr lang="ko-KR" altLang="en-US"/>
           </a:p>
@@ -460,7 +465,7 @@
           <a:p>
             <a:fld id="{B41B5506-225D-4150-82F2-8D298BC774E2}" type="datetimeFigureOut">
               <a:rPr lang="ko-KR" altLang="en-US" smtClean="0"/>
-              <a:t>2024-10-24</a:t>
+              <a:t>2024-10-28</a:t>
             </a:fld>
             <a:endParaRPr lang="ko-KR" altLang="en-US"/>
           </a:p>
@@ -668,7 +673,7 @@
           <a:p>
             <a:fld id="{B41B5506-225D-4150-82F2-8D298BC774E2}" type="datetimeFigureOut">
               <a:rPr lang="ko-KR" altLang="en-US" smtClean="0"/>
-              <a:t>2024-10-24</a:t>
+              <a:t>2024-10-28</a:t>
             </a:fld>
             <a:endParaRPr lang="ko-KR" altLang="en-US"/>
           </a:p>
@@ -866,7 +871,7 @@
           <a:p>
             <a:fld id="{B41B5506-225D-4150-82F2-8D298BC774E2}" type="datetimeFigureOut">
               <a:rPr lang="ko-KR" altLang="en-US" smtClean="0"/>
-              <a:t>2024-10-24</a:t>
+              <a:t>2024-10-28</a:t>
             </a:fld>
             <a:endParaRPr lang="ko-KR" altLang="en-US"/>
           </a:p>
@@ -1141,7 +1146,7 @@
           <a:p>
             <a:fld id="{B41B5506-225D-4150-82F2-8D298BC774E2}" type="datetimeFigureOut">
               <a:rPr lang="ko-KR" altLang="en-US" smtClean="0"/>
-              <a:t>2024-10-24</a:t>
+              <a:t>2024-10-28</a:t>
             </a:fld>
             <a:endParaRPr lang="ko-KR" altLang="en-US"/>
           </a:p>
@@ -1406,7 +1411,7 @@
           <a:p>
             <a:fld id="{B41B5506-225D-4150-82F2-8D298BC774E2}" type="datetimeFigureOut">
               <a:rPr lang="ko-KR" altLang="en-US" smtClean="0"/>
-              <a:t>2024-10-24</a:t>
+              <a:t>2024-10-28</a:t>
             </a:fld>
             <a:endParaRPr lang="ko-KR" altLang="en-US"/>
           </a:p>
@@ -1818,7 +1823,7 @@
           <a:p>
             <a:fld id="{B41B5506-225D-4150-82F2-8D298BC774E2}" type="datetimeFigureOut">
               <a:rPr lang="ko-KR" altLang="en-US" smtClean="0"/>
-              <a:t>2024-10-24</a:t>
+              <a:t>2024-10-28</a:t>
             </a:fld>
             <a:endParaRPr lang="ko-KR" altLang="en-US"/>
           </a:p>
@@ -1959,7 +1964,7 @@
           <a:p>
             <a:fld id="{B41B5506-225D-4150-82F2-8D298BC774E2}" type="datetimeFigureOut">
               <a:rPr lang="ko-KR" altLang="en-US" smtClean="0"/>
-              <a:t>2024-10-24</a:t>
+              <a:t>2024-10-28</a:t>
             </a:fld>
             <a:endParaRPr lang="ko-KR" altLang="en-US"/>
           </a:p>
@@ -2072,7 +2077,7 @@
           <a:p>
             <a:fld id="{B41B5506-225D-4150-82F2-8D298BC774E2}" type="datetimeFigureOut">
               <a:rPr lang="ko-KR" altLang="en-US" smtClean="0"/>
-              <a:t>2024-10-24</a:t>
+              <a:t>2024-10-28</a:t>
             </a:fld>
             <a:endParaRPr lang="ko-KR" altLang="en-US"/>
           </a:p>
@@ -2383,7 +2388,7 @@
           <a:p>
             <a:fld id="{B41B5506-225D-4150-82F2-8D298BC774E2}" type="datetimeFigureOut">
               <a:rPr lang="ko-KR" altLang="en-US" smtClean="0"/>
-              <a:t>2024-10-24</a:t>
+              <a:t>2024-10-28</a:t>
             </a:fld>
             <a:endParaRPr lang="ko-KR" altLang="en-US"/>
           </a:p>
@@ -2671,7 +2676,7 @@
           <a:p>
             <a:fld id="{B41B5506-225D-4150-82F2-8D298BC774E2}" type="datetimeFigureOut">
               <a:rPr lang="ko-KR" altLang="en-US" smtClean="0"/>
-              <a:t>2024-10-24</a:t>
+              <a:t>2024-10-28</a:t>
             </a:fld>
             <a:endParaRPr lang="ko-KR" altLang="en-US"/>
           </a:p>
@@ -2912,7 +2917,7 @@
           <a:p>
             <a:fld id="{B41B5506-225D-4150-82F2-8D298BC774E2}" type="datetimeFigureOut">
               <a:rPr lang="ko-KR" altLang="en-US" smtClean="0"/>
-              <a:t>2024-10-24</a:t>
+              <a:t>2024-10-28</a:t>
             </a:fld>
             <a:endParaRPr lang="ko-KR" altLang="en-US"/>
           </a:p>
@@ -5564,6 +5569,793 @@
           </a:p>
         </p:txBody>
       </p:sp>
+      <p:pic>
+        <p:nvPicPr>
+          <p:cNvPr id="8" name="그림 7" descr="텍스트, 스크린샷, 폰트, 번호이(가) 표시된 사진&#10;&#10;자동 생성된 설명">
+            <a:extLst>
+              <a:ext uri="{FF2B5EF4-FFF2-40B4-BE49-F238E27FC236}">
+                <a16:creationId xmlns:a16="http://schemas.microsoft.com/office/drawing/2014/main" id="{CAEF3A01-44C9-3D66-1B2A-9E88C7253BA0}"/>
+              </a:ext>
+            </a:extLst>
+          </p:cNvPr>
+          <p:cNvPicPr>
+            <a:picLocks noChangeAspect="1"/>
+          </p:cNvPicPr>
+          <p:nvPr/>
+        </p:nvPicPr>
+        <p:blipFill>
+          <a:blip r:embed="rId2">
+            <a:extLst>
+              <a:ext uri="{28A0092B-C50C-407E-A947-70E740481C1C}">
+                <a14:useLocalDpi xmlns:a14="http://schemas.microsoft.com/office/drawing/2010/main" val="0"/>
+              </a:ext>
+            </a:extLst>
+          </a:blip>
+          <a:stretch>
+            <a:fillRect/>
+          </a:stretch>
+        </p:blipFill>
+        <p:spPr>
+          <a:xfrm>
+            <a:off x="2188346" y="491066"/>
+            <a:ext cx="3168598" cy="6191779"/>
+          </a:xfrm>
+          <a:prstGeom prst="rect">
+            <a:avLst/>
+          </a:prstGeom>
+        </p:spPr>
+      </p:pic>
+      <p:sp>
+        <p:nvSpPr>
+          <p:cNvPr id="9" name="타원 8">
+            <a:extLst>
+              <a:ext uri="{FF2B5EF4-FFF2-40B4-BE49-F238E27FC236}">
+                <a16:creationId xmlns:a16="http://schemas.microsoft.com/office/drawing/2014/main" id="{4855A0CD-ED8E-7186-779B-C0F8A6860125}"/>
+              </a:ext>
+            </a:extLst>
+          </p:cNvPr>
+          <p:cNvSpPr/>
+          <p:nvPr/>
+        </p:nvSpPr>
+        <p:spPr>
+          <a:xfrm>
+            <a:off x="3183881" y="2155745"/>
+            <a:ext cx="216000" cy="216000"/>
+          </a:xfrm>
+          <a:prstGeom prst="ellipse">
+            <a:avLst/>
+          </a:prstGeom>
+          <a:solidFill>
+            <a:srgbClr val="FF0000"/>
+          </a:solidFill>
+          <a:ln>
+            <a:noFill/>
+          </a:ln>
+        </p:spPr>
+        <p:style>
+          <a:lnRef idx="2">
+            <a:schemeClr val="accent1">
+              <a:shade val="50000"/>
+            </a:schemeClr>
+          </a:lnRef>
+          <a:fillRef idx="1">
+            <a:schemeClr val="accent1"/>
+          </a:fillRef>
+          <a:effectRef idx="0">
+            <a:schemeClr val="accent1"/>
+          </a:effectRef>
+          <a:fontRef idx="minor">
+            <a:schemeClr val="lt1"/>
+          </a:fontRef>
+        </p:style>
+        <p:txBody>
+          <a:bodyPr wrap="none" lIns="0" tIns="0" rIns="0" bIns="0" rtlCol="0" anchor="ctr"/>
+          <a:lstStyle/>
+          <a:p>
+            <a:pPr algn="ctr"/>
+            <a:r>
+              <a:rPr lang="en-US" altLang="ko-KR" sz="1100" dirty="0">
+                <a:solidFill>
+                  <a:schemeClr val="bg1"/>
+                </a:solidFill>
+                <a:latin typeface="타이포_씨고딕 140" panose="02020503020101020101" pitchFamily="18" charset="-127"/>
+                <a:ea typeface="타이포_씨고딕 140" panose="02020503020101020101" pitchFamily="18" charset="-127"/>
+              </a:rPr>
+              <a:t>1</a:t>
+            </a:r>
+            <a:endParaRPr lang="ko-KR" altLang="en-US" sz="1100" dirty="0">
+              <a:solidFill>
+                <a:schemeClr val="bg1"/>
+              </a:solidFill>
+              <a:latin typeface="타이포_씨고딕 140" panose="02020503020101020101" pitchFamily="18" charset="-127"/>
+              <a:ea typeface="타이포_씨고딕 140" panose="02020503020101020101" pitchFamily="18" charset="-127"/>
+            </a:endParaRPr>
+          </a:p>
+        </p:txBody>
+      </p:sp>
+      <p:sp>
+        <p:nvSpPr>
+          <p:cNvPr id="10" name="타원 9">
+            <a:extLst>
+              <a:ext uri="{FF2B5EF4-FFF2-40B4-BE49-F238E27FC236}">
+                <a16:creationId xmlns:a16="http://schemas.microsoft.com/office/drawing/2014/main" id="{D550015B-ACC3-1A43-9560-0B7E5530177E}"/>
+              </a:ext>
+            </a:extLst>
+          </p:cNvPr>
+          <p:cNvSpPr/>
+          <p:nvPr/>
+        </p:nvSpPr>
+        <p:spPr>
+          <a:xfrm>
+            <a:off x="3183881" y="2659395"/>
+            <a:ext cx="216000" cy="216000"/>
+          </a:xfrm>
+          <a:prstGeom prst="ellipse">
+            <a:avLst/>
+          </a:prstGeom>
+          <a:solidFill>
+            <a:srgbClr val="FF0000"/>
+          </a:solidFill>
+          <a:ln>
+            <a:noFill/>
+          </a:ln>
+        </p:spPr>
+        <p:style>
+          <a:lnRef idx="2">
+            <a:schemeClr val="accent1">
+              <a:shade val="50000"/>
+            </a:schemeClr>
+          </a:lnRef>
+          <a:fillRef idx="1">
+            <a:schemeClr val="accent1"/>
+          </a:fillRef>
+          <a:effectRef idx="0">
+            <a:schemeClr val="accent1"/>
+          </a:effectRef>
+          <a:fontRef idx="minor">
+            <a:schemeClr val="lt1"/>
+          </a:fontRef>
+        </p:style>
+        <p:txBody>
+          <a:bodyPr wrap="none" lIns="0" tIns="0" rIns="0" bIns="0" rtlCol="0" anchor="ctr"/>
+          <a:lstStyle/>
+          <a:p>
+            <a:pPr algn="ctr"/>
+            <a:r>
+              <a:rPr lang="en-US" altLang="ko-KR" sz="1100" dirty="0">
+                <a:solidFill>
+                  <a:schemeClr val="bg1"/>
+                </a:solidFill>
+                <a:latin typeface="타이포_씨고딕 140" panose="02020503020101020101" pitchFamily="18" charset="-127"/>
+                <a:ea typeface="타이포_씨고딕 140" panose="02020503020101020101" pitchFamily="18" charset="-127"/>
+              </a:rPr>
+              <a:t>2</a:t>
+            </a:r>
+            <a:endParaRPr lang="ko-KR" altLang="en-US" sz="1100" dirty="0">
+              <a:solidFill>
+                <a:schemeClr val="bg1"/>
+              </a:solidFill>
+              <a:latin typeface="타이포_씨고딕 140" panose="02020503020101020101" pitchFamily="18" charset="-127"/>
+              <a:ea typeface="타이포_씨고딕 140" panose="02020503020101020101" pitchFamily="18" charset="-127"/>
+            </a:endParaRPr>
+          </a:p>
+        </p:txBody>
+      </p:sp>
+      <p:sp>
+        <p:nvSpPr>
+          <p:cNvPr id="11" name="타원 10">
+            <a:extLst>
+              <a:ext uri="{FF2B5EF4-FFF2-40B4-BE49-F238E27FC236}">
+                <a16:creationId xmlns:a16="http://schemas.microsoft.com/office/drawing/2014/main" id="{C925DBE3-D4C6-F45D-297A-B05C4E5BAEA4}"/>
+              </a:ext>
+            </a:extLst>
+          </p:cNvPr>
+          <p:cNvSpPr/>
+          <p:nvPr/>
+        </p:nvSpPr>
+        <p:spPr>
+          <a:xfrm>
+            <a:off x="3183881" y="3163045"/>
+            <a:ext cx="216000" cy="216000"/>
+          </a:xfrm>
+          <a:prstGeom prst="ellipse">
+            <a:avLst/>
+          </a:prstGeom>
+          <a:solidFill>
+            <a:srgbClr val="FF0000"/>
+          </a:solidFill>
+          <a:ln>
+            <a:noFill/>
+          </a:ln>
+        </p:spPr>
+        <p:style>
+          <a:lnRef idx="2">
+            <a:schemeClr val="accent1">
+              <a:shade val="50000"/>
+            </a:schemeClr>
+          </a:lnRef>
+          <a:fillRef idx="1">
+            <a:schemeClr val="accent1"/>
+          </a:fillRef>
+          <a:effectRef idx="0">
+            <a:schemeClr val="accent1"/>
+          </a:effectRef>
+          <a:fontRef idx="minor">
+            <a:schemeClr val="lt1"/>
+          </a:fontRef>
+        </p:style>
+        <p:txBody>
+          <a:bodyPr wrap="none" lIns="0" tIns="0" rIns="0" bIns="0" rtlCol="0" anchor="ctr"/>
+          <a:lstStyle/>
+          <a:p>
+            <a:pPr algn="ctr"/>
+            <a:r>
+              <a:rPr lang="en-US" altLang="ko-KR" sz="1100" dirty="0">
+                <a:solidFill>
+                  <a:schemeClr val="bg1"/>
+                </a:solidFill>
+                <a:latin typeface="타이포_씨고딕 140" panose="02020503020101020101" pitchFamily="18" charset="-127"/>
+                <a:ea typeface="타이포_씨고딕 140" panose="02020503020101020101" pitchFamily="18" charset="-127"/>
+              </a:rPr>
+              <a:t>3</a:t>
+            </a:r>
+            <a:endParaRPr lang="ko-KR" altLang="en-US" sz="1100" dirty="0">
+              <a:solidFill>
+                <a:schemeClr val="bg1"/>
+              </a:solidFill>
+              <a:latin typeface="타이포_씨고딕 140" panose="02020503020101020101" pitchFamily="18" charset="-127"/>
+              <a:ea typeface="타이포_씨고딕 140" panose="02020503020101020101" pitchFamily="18" charset="-127"/>
+            </a:endParaRPr>
+          </a:p>
+        </p:txBody>
+      </p:sp>
+      <p:sp>
+        <p:nvSpPr>
+          <p:cNvPr id="12" name="타원 11">
+            <a:extLst>
+              <a:ext uri="{FF2B5EF4-FFF2-40B4-BE49-F238E27FC236}">
+                <a16:creationId xmlns:a16="http://schemas.microsoft.com/office/drawing/2014/main" id="{15903E95-CCA9-9732-592B-90871AD0B681}"/>
+              </a:ext>
+            </a:extLst>
+          </p:cNvPr>
+          <p:cNvSpPr/>
+          <p:nvPr/>
+        </p:nvSpPr>
+        <p:spPr>
+          <a:xfrm>
+            <a:off x="3183881" y="3586955"/>
+            <a:ext cx="216000" cy="216000"/>
+          </a:xfrm>
+          <a:prstGeom prst="ellipse">
+            <a:avLst/>
+          </a:prstGeom>
+          <a:solidFill>
+            <a:srgbClr val="FF0000"/>
+          </a:solidFill>
+          <a:ln>
+            <a:noFill/>
+          </a:ln>
+        </p:spPr>
+        <p:style>
+          <a:lnRef idx="2">
+            <a:schemeClr val="accent1">
+              <a:shade val="50000"/>
+            </a:schemeClr>
+          </a:lnRef>
+          <a:fillRef idx="1">
+            <a:schemeClr val="accent1"/>
+          </a:fillRef>
+          <a:effectRef idx="0">
+            <a:schemeClr val="accent1"/>
+          </a:effectRef>
+          <a:fontRef idx="minor">
+            <a:schemeClr val="lt1"/>
+          </a:fontRef>
+        </p:style>
+        <p:txBody>
+          <a:bodyPr wrap="none" lIns="0" tIns="0" rIns="0" bIns="0" rtlCol="0" anchor="ctr"/>
+          <a:lstStyle/>
+          <a:p>
+            <a:pPr algn="ctr"/>
+            <a:r>
+              <a:rPr lang="en-US" altLang="ko-KR" sz="1100" dirty="0">
+                <a:solidFill>
+                  <a:schemeClr val="bg1"/>
+                </a:solidFill>
+                <a:latin typeface="타이포_씨고딕 140" panose="02020503020101020101" pitchFamily="18" charset="-127"/>
+                <a:ea typeface="타이포_씨고딕 140" panose="02020503020101020101" pitchFamily="18" charset="-127"/>
+              </a:rPr>
+              <a:t>4</a:t>
+            </a:r>
+            <a:endParaRPr lang="ko-KR" altLang="en-US" sz="1100" dirty="0">
+              <a:solidFill>
+                <a:schemeClr val="bg1"/>
+              </a:solidFill>
+              <a:latin typeface="타이포_씨고딕 140" panose="02020503020101020101" pitchFamily="18" charset="-127"/>
+              <a:ea typeface="타이포_씨고딕 140" panose="02020503020101020101" pitchFamily="18" charset="-127"/>
+            </a:endParaRPr>
+          </a:p>
+        </p:txBody>
+      </p:sp>
+      <p:sp>
+        <p:nvSpPr>
+          <p:cNvPr id="13" name="타원 12">
+            <a:extLst>
+              <a:ext uri="{FF2B5EF4-FFF2-40B4-BE49-F238E27FC236}">
+                <a16:creationId xmlns:a16="http://schemas.microsoft.com/office/drawing/2014/main" id="{A2C075A0-9B32-4D3F-2383-00326F31448D}"/>
+              </a:ext>
+            </a:extLst>
+          </p:cNvPr>
+          <p:cNvSpPr/>
+          <p:nvPr/>
+        </p:nvSpPr>
+        <p:spPr>
+          <a:xfrm>
+            <a:off x="2800572" y="4173464"/>
+            <a:ext cx="216000" cy="216000"/>
+          </a:xfrm>
+          <a:prstGeom prst="ellipse">
+            <a:avLst/>
+          </a:prstGeom>
+          <a:solidFill>
+            <a:srgbClr val="FF0000"/>
+          </a:solidFill>
+          <a:ln>
+            <a:noFill/>
+          </a:ln>
+        </p:spPr>
+        <p:style>
+          <a:lnRef idx="2">
+            <a:schemeClr val="accent1">
+              <a:shade val="50000"/>
+            </a:schemeClr>
+          </a:lnRef>
+          <a:fillRef idx="1">
+            <a:schemeClr val="accent1"/>
+          </a:fillRef>
+          <a:effectRef idx="0">
+            <a:schemeClr val="accent1"/>
+          </a:effectRef>
+          <a:fontRef idx="minor">
+            <a:schemeClr val="lt1"/>
+          </a:fontRef>
+        </p:style>
+        <p:txBody>
+          <a:bodyPr wrap="none" lIns="0" tIns="0" rIns="0" bIns="0" rtlCol="0" anchor="ctr"/>
+          <a:lstStyle/>
+          <a:p>
+            <a:pPr algn="ctr"/>
+            <a:r>
+              <a:rPr lang="en-US" altLang="ko-KR" sz="1100" dirty="0">
+                <a:solidFill>
+                  <a:schemeClr val="bg1"/>
+                </a:solidFill>
+                <a:latin typeface="타이포_씨고딕 140" panose="02020503020101020101" pitchFamily="18" charset="-127"/>
+                <a:ea typeface="타이포_씨고딕 140" panose="02020503020101020101" pitchFamily="18" charset="-127"/>
+              </a:rPr>
+              <a:t>5</a:t>
+            </a:r>
+            <a:endParaRPr lang="ko-KR" altLang="en-US" sz="1100" dirty="0">
+              <a:solidFill>
+                <a:schemeClr val="bg1"/>
+              </a:solidFill>
+              <a:latin typeface="타이포_씨고딕 140" panose="02020503020101020101" pitchFamily="18" charset="-127"/>
+              <a:ea typeface="타이포_씨고딕 140" panose="02020503020101020101" pitchFamily="18" charset="-127"/>
+            </a:endParaRPr>
+          </a:p>
+        </p:txBody>
+      </p:sp>
+      <p:sp>
+        <p:nvSpPr>
+          <p:cNvPr id="14" name="타원 13">
+            <a:extLst>
+              <a:ext uri="{FF2B5EF4-FFF2-40B4-BE49-F238E27FC236}">
+                <a16:creationId xmlns:a16="http://schemas.microsoft.com/office/drawing/2014/main" id="{778B3F16-F6AA-C744-2492-EF253F6FDAB1}"/>
+              </a:ext>
+            </a:extLst>
+          </p:cNvPr>
+          <p:cNvSpPr/>
+          <p:nvPr/>
+        </p:nvSpPr>
+        <p:spPr>
+          <a:xfrm>
+            <a:off x="4105563" y="4852337"/>
+            <a:ext cx="216000" cy="216000"/>
+          </a:xfrm>
+          <a:prstGeom prst="ellipse">
+            <a:avLst/>
+          </a:prstGeom>
+          <a:solidFill>
+            <a:srgbClr val="FF0000"/>
+          </a:solidFill>
+          <a:ln>
+            <a:noFill/>
+          </a:ln>
+        </p:spPr>
+        <p:style>
+          <a:lnRef idx="2">
+            <a:schemeClr val="accent1">
+              <a:shade val="50000"/>
+            </a:schemeClr>
+          </a:lnRef>
+          <a:fillRef idx="1">
+            <a:schemeClr val="accent1"/>
+          </a:fillRef>
+          <a:effectRef idx="0">
+            <a:schemeClr val="accent1"/>
+          </a:effectRef>
+          <a:fontRef idx="minor">
+            <a:schemeClr val="lt1"/>
+          </a:fontRef>
+        </p:style>
+        <p:txBody>
+          <a:bodyPr wrap="none" lIns="0" tIns="0" rIns="0" bIns="0" rtlCol="0" anchor="ctr"/>
+          <a:lstStyle/>
+          <a:p>
+            <a:pPr algn="ctr"/>
+            <a:r>
+              <a:rPr lang="en-US" altLang="ko-KR" sz="1100">
+                <a:solidFill>
+                  <a:schemeClr val="bg1"/>
+                </a:solidFill>
+                <a:latin typeface="타이포_씨고딕 140" panose="02020503020101020101" pitchFamily="18" charset="-127"/>
+                <a:ea typeface="타이포_씨고딕 140" panose="02020503020101020101" pitchFamily="18" charset="-127"/>
+              </a:rPr>
+              <a:t>6</a:t>
+            </a:r>
+            <a:endParaRPr lang="ko-KR" altLang="en-US" sz="1100" dirty="0">
+              <a:solidFill>
+                <a:schemeClr val="bg1"/>
+              </a:solidFill>
+              <a:latin typeface="타이포_씨고딕 140" panose="02020503020101020101" pitchFamily="18" charset="-127"/>
+              <a:ea typeface="타이포_씨고딕 140" panose="02020503020101020101" pitchFamily="18" charset="-127"/>
+            </a:endParaRPr>
+          </a:p>
+        </p:txBody>
+      </p:sp>
+      <p:sp>
+        <p:nvSpPr>
+          <p:cNvPr id="15" name="TextBox 14">
+            <a:extLst>
+              <a:ext uri="{FF2B5EF4-FFF2-40B4-BE49-F238E27FC236}">
+                <a16:creationId xmlns:a16="http://schemas.microsoft.com/office/drawing/2014/main" id="{61BBA5D1-615B-197D-9DB1-631A6BD831B9}"/>
+              </a:ext>
+            </a:extLst>
+          </p:cNvPr>
+          <p:cNvSpPr txBox="1"/>
+          <p:nvPr/>
+        </p:nvSpPr>
+        <p:spPr>
+          <a:xfrm>
+            <a:off x="8211125" y="446831"/>
+            <a:ext cx="3820454" cy="5262979"/>
+          </a:xfrm>
+          <a:prstGeom prst="rect">
+            <a:avLst/>
+          </a:prstGeom>
+          <a:noFill/>
+        </p:spPr>
+        <p:txBody>
+          <a:bodyPr wrap="square" rtlCol="0">
+            <a:spAutoFit/>
+          </a:bodyPr>
+          <a:lstStyle/>
+          <a:p>
+            <a:r>
+              <a:rPr lang="en-US" altLang="ko-KR" sz="1400" b="1"/>
+              <a:t>[1] </a:t>
+            </a:r>
+            <a:r>
+              <a:rPr lang="ko-KR" altLang="en-US" sz="1400" b="1"/>
+              <a:t>이름</a:t>
+            </a:r>
+            <a:r>
+              <a:rPr lang="en-US" altLang="ko-KR" sz="1400" b="1"/>
+              <a:t>(</a:t>
+            </a:r>
+            <a:r>
+              <a:rPr lang="ko-KR" altLang="en-US" sz="1400" b="1"/>
+              <a:t>필수</a:t>
+            </a:r>
+            <a:r>
+              <a:rPr lang="en-US" altLang="ko-KR" sz="1400" b="1"/>
+              <a:t>)</a:t>
+            </a:r>
+          </a:p>
+          <a:p>
+            <a:pPr marL="285750" indent="-285750">
+              <a:buFontTx/>
+              <a:buChar char="-"/>
+            </a:pPr>
+            <a:r>
+              <a:rPr lang="ko-KR" altLang="en-US" sz="1400"/>
+              <a:t>한글 최대 </a:t>
+            </a:r>
+            <a:r>
+              <a:rPr lang="en-US" altLang="ko-KR" sz="1400"/>
+              <a:t>5</a:t>
+            </a:r>
+            <a:r>
+              <a:rPr lang="ko-KR" altLang="en-US" sz="1400"/>
+              <a:t>글자 작성 가능</a:t>
+            </a:r>
+            <a:endParaRPr lang="en-US" altLang="ko-KR" sz="1400"/>
+          </a:p>
+          <a:p>
+            <a:pPr marL="285750" indent="-285750">
+              <a:buFontTx/>
+              <a:buChar char="-"/>
+            </a:pPr>
+            <a:r>
+              <a:rPr lang="ko-KR" altLang="en-US" sz="1400"/>
+              <a:t>띄어쓰기 불가능</a:t>
+            </a:r>
+            <a:endParaRPr lang="en-US" altLang="ko-KR" sz="1400"/>
+          </a:p>
+          <a:p>
+            <a:pPr marL="285750" indent="-285750">
+              <a:buFontTx/>
+              <a:buChar char="-"/>
+            </a:pPr>
+            <a:r>
+              <a:rPr lang="ko-KR" altLang="en-US" sz="1400"/>
+              <a:t>특수문자 불가능</a:t>
+            </a:r>
+            <a:endParaRPr lang="en-US" altLang="ko-KR" sz="1400"/>
+          </a:p>
+          <a:p>
+            <a:pPr marL="285750" indent="-285750">
+              <a:buFontTx/>
+              <a:buChar char="-"/>
+            </a:pPr>
+            <a:endParaRPr lang="en-US" altLang="ko-KR" sz="1400"/>
+          </a:p>
+          <a:p>
+            <a:r>
+              <a:rPr lang="en-US" altLang="ko-KR" sz="1400" b="1"/>
+              <a:t>[2] </a:t>
+            </a:r>
+            <a:r>
+              <a:rPr lang="ko-KR" altLang="en-US" sz="1400" b="1"/>
+              <a:t>이메일</a:t>
+            </a:r>
+            <a:r>
+              <a:rPr lang="en-US" altLang="ko-KR" sz="1400" b="1"/>
+              <a:t>(</a:t>
+            </a:r>
+            <a:r>
+              <a:rPr lang="ko-KR" altLang="en-US" sz="1400" b="1"/>
+              <a:t>필수</a:t>
+            </a:r>
+            <a:r>
+              <a:rPr lang="en-US" altLang="ko-KR" sz="1400" b="1"/>
+              <a:t>)</a:t>
+            </a:r>
+          </a:p>
+          <a:p>
+            <a:pPr marL="285750" indent="-285750">
+              <a:buFontTx/>
+              <a:buChar char="-"/>
+            </a:pPr>
+            <a:r>
+              <a:rPr lang="ko-KR" altLang="en-US" sz="1400"/>
+              <a:t>한글 기호 입력 불가</a:t>
+            </a:r>
+            <a:endParaRPr lang="en-US" altLang="ko-KR" sz="1400"/>
+          </a:p>
+          <a:p>
+            <a:pPr marL="285750" indent="-285750">
+              <a:buFontTx/>
+              <a:buChar char="-"/>
+            </a:pPr>
+            <a:endParaRPr lang="en-US" altLang="ko-KR" sz="1400" b="1"/>
+          </a:p>
+          <a:p>
+            <a:r>
+              <a:rPr lang="en-US" altLang="ko-KR" sz="1400" b="1"/>
+              <a:t>[3] </a:t>
+            </a:r>
+            <a:r>
+              <a:rPr lang="ko-KR" altLang="en-US" sz="1400" b="1"/>
+              <a:t>비밀번호</a:t>
+            </a:r>
+            <a:r>
+              <a:rPr lang="en-US" altLang="ko-KR" sz="1400" b="1"/>
+              <a:t>(</a:t>
+            </a:r>
+            <a:r>
+              <a:rPr lang="ko-KR" altLang="en-US" sz="1400" b="1"/>
+              <a:t>필수</a:t>
+            </a:r>
+            <a:r>
+              <a:rPr lang="en-US" altLang="ko-KR" sz="1400" b="1"/>
+              <a:t>)</a:t>
+            </a:r>
+          </a:p>
+          <a:p>
+            <a:pPr marL="285750" indent="-285750">
+              <a:buFontTx/>
+              <a:buChar char="-"/>
+            </a:pPr>
+            <a:r>
+              <a:rPr lang="en-US" altLang="ko-KR" sz="1400"/>
+              <a:t>6~20</a:t>
+            </a:r>
+            <a:r>
+              <a:rPr lang="ko-KR" altLang="en-US" sz="1400"/>
+              <a:t>자 영문</a:t>
+            </a:r>
+            <a:r>
+              <a:rPr lang="en-US" altLang="ko-KR" sz="1400"/>
+              <a:t>/</a:t>
+            </a:r>
+            <a:r>
+              <a:rPr lang="ko-KR" altLang="en-US" sz="1400"/>
+              <a:t>숫자</a:t>
+            </a:r>
+            <a:r>
+              <a:rPr lang="en-US" altLang="ko-KR" sz="1400"/>
+              <a:t>/</a:t>
+            </a:r>
+            <a:r>
+              <a:rPr lang="ko-KR" altLang="en-US" sz="1400"/>
+              <a:t>특수기호</a:t>
+            </a:r>
+            <a:r>
+              <a:rPr lang="en-US" altLang="ko-KR" sz="1400"/>
+              <a:t>/ </a:t>
+            </a:r>
+            <a:r>
+              <a:rPr lang="ko-KR" altLang="en-US" sz="1400"/>
+              <a:t>대문자 구별</a:t>
+            </a:r>
+            <a:endParaRPr lang="en-US" altLang="ko-KR" sz="1400"/>
+          </a:p>
+          <a:p>
+            <a:pPr marL="285750" indent="-285750">
+              <a:buFontTx/>
+              <a:buChar char="-"/>
+            </a:pPr>
+            <a:r>
+              <a:rPr lang="ko-KR" altLang="en-US" sz="1400"/>
+              <a:t>작성되는 비밀번호 </a:t>
+            </a:r>
+            <a:r>
+              <a:rPr lang="en-US" altLang="ko-KR" sz="1400"/>
+              <a:t>Password </a:t>
+            </a:r>
+            <a:r>
+              <a:rPr lang="ko-KR" altLang="en-US" sz="1400"/>
+              <a:t>처리</a:t>
+            </a:r>
+            <a:endParaRPr lang="en-US" altLang="ko-KR" sz="1400"/>
+          </a:p>
+          <a:p>
+            <a:endParaRPr lang="en-US" altLang="ko-KR" sz="1400"/>
+          </a:p>
+          <a:p>
+            <a:r>
+              <a:rPr lang="en-US" altLang="ko-KR" sz="1400" b="1"/>
+              <a:t>[4] </a:t>
+            </a:r>
+            <a:r>
+              <a:rPr lang="ko-KR" altLang="en-US" sz="1400" b="1"/>
+              <a:t>비밀번호 확인</a:t>
+            </a:r>
+            <a:r>
+              <a:rPr lang="en-US" altLang="ko-KR" sz="1400" b="1"/>
+              <a:t>(</a:t>
+            </a:r>
+            <a:r>
+              <a:rPr lang="ko-KR" altLang="en-US" sz="1400" b="1"/>
+              <a:t>필수</a:t>
+            </a:r>
+            <a:r>
+              <a:rPr lang="en-US" altLang="ko-KR" sz="1400" b="1"/>
+              <a:t>)</a:t>
+            </a:r>
+          </a:p>
+          <a:p>
+            <a:r>
+              <a:rPr lang="en-US" altLang="ko-KR" sz="1400"/>
+              <a:t>- </a:t>
+            </a:r>
+            <a:r>
+              <a:rPr lang="ko-KR" altLang="en-US" sz="1400"/>
+              <a:t>이전에 입력한 비밀번호와 틀릴 시 오류 메시지</a:t>
+            </a:r>
+            <a:endParaRPr lang="en-US" altLang="ko-KR" sz="1400"/>
+          </a:p>
+          <a:p>
+            <a:pPr marL="285750" indent="-285750">
+              <a:buFontTx/>
+              <a:buChar char="-"/>
+            </a:pPr>
+            <a:endParaRPr lang="en-US" altLang="ko-KR" sz="1400"/>
+          </a:p>
+          <a:p>
+            <a:r>
+              <a:rPr lang="en-US" altLang="ko-KR" sz="1400" b="1"/>
+              <a:t>[5] </a:t>
+            </a:r>
+            <a:r>
+              <a:rPr lang="ko-KR" altLang="en-US" sz="1400" b="1"/>
+              <a:t>성별</a:t>
+            </a:r>
+            <a:r>
+              <a:rPr lang="en-US" altLang="ko-KR" sz="1400" b="1"/>
+              <a:t>(</a:t>
+            </a:r>
+            <a:r>
+              <a:rPr lang="ko-KR" altLang="en-US" sz="1400" b="1"/>
+              <a:t>필수</a:t>
+            </a:r>
+            <a:r>
+              <a:rPr lang="en-US" altLang="ko-KR" sz="1400" b="1"/>
+              <a:t>)</a:t>
+            </a:r>
+          </a:p>
+          <a:p>
+            <a:pPr marL="285750" indent="-285750">
+              <a:buFontTx/>
+              <a:buChar char="-"/>
+            </a:pPr>
+            <a:r>
+              <a:rPr lang="ko-KR" altLang="en-US" sz="1400"/>
+              <a:t>버튼 클릭으로 남자</a:t>
+            </a:r>
+            <a:r>
+              <a:rPr lang="en-US" altLang="ko-KR" sz="1400"/>
+              <a:t>, </a:t>
+            </a:r>
+            <a:r>
+              <a:rPr lang="ko-KR" altLang="en-US" sz="1400"/>
+              <a:t>여자 선택 가능</a:t>
+            </a:r>
+            <a:endParaRPr lang="en-US" altLang="ko-KR" sz="1400"/>
+          </a:p>
+          <a:p>
+            <a:pPr marL="285750" indent="-285750">
+              <a:buFontTx/>
+              <a:buChar char="-"/>
+            </a:pPr>
+            <a:endParaRPr lang="en-US" altLang="ko-KR" sz="1400"/>
+          </a:p>
+          <a:p>
+            <a:r>
+              <a:rPr lang="en-US" altLang="ko-KR" sz="1400" b="1"/>
+              <a:t>[6] </a:t>
+            </a:r>
+            <a:r>
+              <a:rPr lang="ko-KR" altLang="en-US" sz="1400" b="1"/>
+              <a:t>회원가입 버튼</a:t>
+            </a:r>
+            <a:endParaRPr lang="en-US" altLang="ko-KR" sz="1400" b="1"/>
+          </a:p>
+          <a:p>
+            <a:pPr marL="285750" indent="-285750">
+              <a:buFontTx/>
+              <a:buChar char="-"/>
+            </a:pPr>
+            <a:r>
+              <a:rPr lang="ko-KR" altLang="en-US" sz="1400"/>
+              <a:t>조건에 맞지 않는 항목이 있다면 오류 전송</a:t>
+            </a:r>
+            <a:endParaRPr lang="en-US" altLang="ko-KR" sz="1400"/>
+          </a:p>
+          <a:p>
+            <a:pPr marL="285750" indent="-285750">
+              <a:buFontTx/>
+              <a:buChar char="-"/>
+            </a:pPr>
+            <a:r>
+              <a:rPr lang="ko-KR" altLang="en-US" sz="1400"/>
+              <a:t>모두 올바르게 작성 되었다면 아이디 생성 후 로그인 페이지로 이동</a:t>
+            </a:r>
+            <a:endParaRPr lang="en-US" altLang="ko-KR" sz="1400"/>
+          </a:p>
+        </p:txBody>
+      </p:sp>
     </p:spTree>
     <p:extLst>
       <p:ext uri="{BB962C8B-B14F-4D97-AF65-F5344CB8AC3E}">
@@ -5975,6 +6767,42 @@
           </a:p>
         </p:txBody>
       </p:sp>
+      <p:pic>
+        <p:nvPicPr>
+          <p:cNvPr id="14" name="그림 13" descr="텍스트, 스크린샷, 폰트, 스마트폰이(가) 표시된 사진&#10;&#10;자동 생성된 설명">
+            <a:extLst>
+              <a:ext uri="{FF2B5EF4-FFF2-40B4-BE49-F238E27FC236}">
+                <a16:creationId xmlns:a16="http://schemas.microsoft.com/office/drawing/2014/main" id="{4C97794A-52A1-B46B-27E8-A04E1E81A01A}"/>
+              </a:ext>
+            </a:extLst>
+          </p:cNvPr>
+          <p:cNvPicPr>
+            <a:picLocks noChangeAspect="1"/>
+          </p:cNvPicPr>
+          <p:nvPr/>
+        </p:nvPicPr>
+        <p:blipFill>
+          <a:blip r:embed="rId2">
+            <a:extLst>
+              <a:ext uri="{28A0092B-C50C-407E-A947-70E740481C1C}">
+                <a14:useLocalDpi xmlns:a14="http://schemas.microsoft.com/office/drawing/2010/main" val="0"/>
+              </a:ext>
+            </a:extLst>
+          </a:blip>
+          <a:stretch>
+            <a:fillRect/>
+          </a:stretch>
+        </p:blipFill>
+        <p:spPr>
+          <a:xfrm>
+            <a:off x="2233714" y="560391"/>
+            <a:ext cx="3077862" cy="6053131"/>
+          </a:xfrm>
+          <a:prstGeom prst="rect">
+            <a:avLst/>
+          </a:prstGeom>
+        </p:spPr>
+      </p:pic>
       <p:sp>
         <p:nvSpPr>
           <p:cNvPr id="6" name="직사각형 5">
@@ -6023,6 +6851,371 @@
           <a:p>
             <a:pPr algn="ctr"/>
             <a:endParaRPr lang="ko-KR" altLang="en-US"/>
+          </a:p>
+        </p:txBody>
+      </p:sp>
+      <p:sp>
+        <p:nvSpPr>
+          <p:cNvPr id="9" name="타원 8">
+            <a:extLst>
+              <a:ext uri="{FF2B5EF4-FFF2-40B4-BE49-F238E27FC236}">
+                <a16:creationId xmlns:a16="http://schemas.microsoft.com/office/drawing/2014/main" id="{799A4F78-EEDC-7856-3529-E0C0AFB46C60}"/>
+              </a:ext>
+            </a:extLst>
+          </p:cNvPr>
+          <p:cNvSpPr/>
+          <p:nvPr/>
+        </p:nvSpPr>
+        <p:spPr>
+          <a:xfrm>
+            <a:off x="4546245" y="2206118"/>
+            <a:ext cx="216000" cy="216000"/>
+          </a:xfrm>
+          <a:prstGeom prst="ellipse">
+            <a:avLst/>
+          </a:prstGeom>
+          <a:solidFill>
+            <a:srgbClr val="FF0000"/>
+          </a:solidFill>
+          <a:ln>
+            <a:noFill/>
+          </a:ln>
+        </p:spPr>
+        <p:style>
+          <a:lnRef idx="2">
+            <a:schemeClr val="accent1">
+              <a:shade val="50000"/>
+            </a:schemeClr>
+          </a:lnRef>
+          <a:fillRef idx="1">
+            <a:schemeClr val="accent1"/>
+          </a:fillRef>
+          <a:effectRef idx="0">
+            <a:schemeClr val="accent1"/>
+          </a:effectRef>
+          <a:fontRef idx="minor">
+            <a:schemeClr val="lt1"/>
+          </a:fontRef>
+        </p:style>
+        <p:txBody>
+          <a:bodyPr wrap="none" lIns="0" tIns="0" rIns="0" bIns="0" rtlCol="0" anchor="ctr"/>
+          <a:lstStyle/>
+          <a:p>
+            <a:pPr algn="ctr"/>
+            <a:r>
+              <a:rPr lang="en-US" altLang="ko-KR" sz="1100">
+                <a:solidFill>
+                  <a:schemeClr val="bg1"/>
+                </a:solidFill>
+                <a:latin typeface="타이포_씨고딕 140" panose="02020503020101020101" pitchFamily="18" charset="-127"/>
+                <a:ea typeface="타이포_씨고딕 140" panose="02020503020101020101" pitchFamily="18" charset="-127"/>
+              </a:rPr>
+              <a:t>1</a:t>
+            </a:r>
+            <a:endParaRPr lang="ko-KR" altLang="en-US" sz="1100" dirty="0">
+              <a:solidFill>
+                <a:schemeClr val="bg1"/>
+              </a:solidFill>
+              <a:latin typeface="타이포_씨고딕 140" panose="02020503020101020101" pitchFamily="18" charset="-127"/>
+              <a:ea typeface="타이포_씨고딕 140" panose="02020503020101020101" pitchFamily="18" charset="-127"/>
+            </a:endParaRPr>
+          </a:p>
+        </p:txBody>
+      </p:sp>
+      <p:sp>
+        <p:nvSpPr>
+          <p:cNvPr id="10" name="타원 9">
+            <a:extLst>
+              <a:ext uri="{FF2B5EF4-FFF2-40B4-BE49-F238E27FC236}">
+                <a16:creationId xmlns:a16="http://schemas.microsoft.com/office/drawing/2014/main" id="{4B49EBF0-E352-649A-E7DE-D3C9AD458AC8}"/>
+              </a:ext>
+            </a:extLst>
+          </p:cNvPr>
+          <p:cNvSpPr/>
+          <p:nvPr/>
+        </p:nvSpPr>
+        <p:spPr>
+          <a:xfrm>
+            <a:off x="2578899" y="2834191"/>
+            <a:ext cx="216000" cy="216000"/>
+          </a:xfrm>
+          <a:prstGeom prst="ellipse">
+            <a:avLst/>
+          </a:prstGeom>
+          <a:solidFill>
+            <a:srgbClr val="FF0000"/>
+          </a:solidFill>
+          <a:ln>
+            <a:noFill/>
+          </a:ln>
+        </p:spPr>
+        <p:style>
+          <a:lnRef idx="2">
+            <a:schemeClr val="accent1">
+              <a:shade val="50000"/>
+            </a:schemeClr>
+          </a:lnRef>
+          <a:fillRef idx="1">
+            <a:schemeClr val="accent1"/>
+          </a:fillRef>
+          <a:effectRef idx="0">
+            <a:schemeClr val="accent1"/>
+          </a:effectRef>
+          <a:fontRef idx="minor">
+            <a:schemeClr val="lt1"/>
+          </a:fontRef>
+        </p:style>
+        <p:txBody>
+          <a:bodyPr wrap="none" lIns="0" tIns="0" rIns="0" bIns="0" rtlCol="0" anchor="ctr"/>
+          <a:lstStyle/>
+          <a:p>
+            <a:pPr algn="ctr"/>
+            <a:r>
+              <a:rPr lang="en-US" altLang="ko-KR" sz="1100">
+                <a:solidFill>
+                  <a:schemeClr val="bg1"/>
+                </a:solidFill>
+                <a:latin typeface="타이포_씨고딕 140" panose="02020503020101020101" pitchFamily="18" charset="-127"/>
+                <a:ea typeface="타이포_씨고딕 140" panose="02020503020101020101" pitchFamily="18" charset="-127"/>
+              </a:rPr>
+              <a:t>2</a:t>
+            </a:r>
+            <a:endParaRPr lang="ko-KR" altLang="en-US" sz="1100" dirty="0">
+              <a:solidFill>
+                <a:schemeClr val="bg1"/>
+              </a:solidFill>
+              <a:latin typeface="타이포_씨고딕 140" panose="02020503020101020101" pitchFamily="18" charset="-127"/>
+              <a:ea typeface="타이포_씨고딕 140" panose="02020503020101020101" pitchFamily="18" charset="-127"/>
+            </a:endParaRPr>
+          </a:p>
+        </p:txBody>
+      </p:sp>
+      <p:sp>
+        <p:nvSpPr>
+          <p:cNvPr id="11" name="타원 10">
+            <a:extLst>
+              <a:ext uri="{FF2B5EF4-FFF2-40B4-BE49-F238E27FC236}">
+                <a16:creationId xmlns:a16="http://schemas.microsoft.com/office/drawing/2014/main" id="{4E0DAA60-EC18-5C86-DB23-402D7C6C9A98}"/>
+              </a:ext>
+            </a:extLst>
+          </p:cNvPr>
+          <p:cNvSpPr/>
+          <p:nvPr/>
+        </p:nvSpPr>
+        <p:spPr>
+          <a:xfrm>
+            <a:off x="3327045" y="3138991"/>
+            <a:ext cx="216000" cy="216000"/>
+          </a:xfrm>
+          <a:prstGeom prst="ellipse">
+            <a:avLst/>
+          </a:prstGeom>
+          <a:solidFill>
+            <a:srgbClr val="FF0000"/>
+          </a:solidFill>
+          <a:ln>
+            <a:noFill/>
+          </a:ln>
+        </p:spPr>
+        <p:style>
+          <a:lnRef idx="2">
+            <a:schemeClr val="accent1">
+              <a:shade val="50000"/>
+            </a:schemeClr>
+          </a:lnRef>
+          <a:fillRef idx="1">
+            <a:schemeClr val="accent1"/>
+          </a:fillRef>
+          <a:effectRef idx="0">
+            <a:schemeClr val="accent1"/>
+          </a:effectRef>
+          <a:fontRef idx="minor">
+            <a:schemeClr val="lt1"/>
+          </a:fontRef>
+        </p:style>
+        <p:txBody>
+          <a:bodyPr wrap="none" lIns="0" tIns="0" rIns="0" bIns="0" rtlCol="0" anchor="ctr"/>
+          <a:lstStyle/>
+          <a:p>
+            <a:pPr algn="ctr"/>
+            <a:r>
+              <a:rPr lang="en-US" altLang="ko-KR" sz="1100">
+                <a:solidFill>
+                  <a:schemeClr val="bg1"/>
+                </a:solidFill>
+                <a:latin typeface="타이포_씨고딕 140" panose="02020503020101020101" pitchFamily="18" charset="-127"/>
+                <a:ea typeface="타이포_씨고딕 140" panose="02020503020101020101" pitchFamily="18" charset="-127"/>
+              </a:rPr>
+              <a:t>3</a:t>
+            </a:r>
+            <a:endParaRPr lang="ko-KR" altLang="en-US" sz="1100" dirty="0">
+              <a:solidFill>
+                <a:schemeClr val="bg1"/>
+              </a:solidFill>
+              <a:latin typeface="타이포_씨고딕 140" panose="02020503020101020101" pitchFamily="18" charset="-127"/>
+              <a:ea typeface="타이포_씨고딕 140" panose="02020503020101020101" pitchFamily="18" charset="-127"/>
+            </a:endParaRPr>
+          </a:p>
+        </p:txBody>
+      </p:sp>
+      <p:sp>
+        <p:nvSpPr>
+          <p:cNvPr id="12" name="TextBox 11">
+            <a:extLst>
+              <a:ext uri="{FF2B5EF4-FFF2-40B4-BE49-F238E27FC236}">
+                <a16:creationId xmlns:a16="http://schemas.microsoft.com/office/drawing/2014/main" id="{CB1B077D-BEAF-14D4-D685-0B4949558B9A}"/>
+              </a:ext>
+            </a:extLst>
+          </p:cNvPr>
+          <p:cNvSpPr txBox="1"/>
+          <p:nvPr/>
+        </p:nvSpPr>
+        <p:spPr>
+          <a:xfrm>
+            <a:off x="8211125" y="446831"/>
+            <a:ext cx="3820454" cy="2677656"/>
+          </a:xfrm>
+          <a:prstGeom prst="rect">
+            <a:avLst/>
+          </a:prstGeom>
+          <a:noFill/>
+        </p:spPr>
+        <p:txBody>
+          <a:bodyPr wrap="square" rtlCol="0">
+            <a:spAutoFit/>
+          </a:bodyPr>
+          <a:lstStyle/>
+          <a:p>
+            <a:r>
+              <a:rPr lang="en-US" altLang="ko-KR" sz="1400" b="1"/>
+              <a:t>[1] </a:t>
+            </a:r>
+            <a:r>
+              <a:rPr lang="ko-KR" altLang="en-US" sz="1400" b="1"/>
+              <a:t>이메일</a:t>
+            </a:r>
+            <a:r>
+              <a:rPr lang="en-US" altLang="ko-KR" sz="1400" b="1"/>
+              <a:t>(</a:t>
+            </a:r>
+            <a:r>
+              <a:rPr lang="ko-KR" altLang="en-US" sz="1400" b="1"/>
+              <a:t>필수</a:t>
+            </a:r>
+            <a:r>
+              <a:rPr lang="en-US" altLang="ko-KR" sz="1400" b="1"/>
+              <a:t>)</a:t>
+            </a:r>
+          </a:p>
+          <a:p>
+            <a:pPr marL="285750" indent="-285750">
+              <a:buFontTx/>
+              <a:buChar char="-"/>
+            </a:pPr>
+            <a:r>
+              <a:rPr lang="ko-KR" altLang="en-US" sz="1400"/>
+              <a:t>영문</a:t>
+            </a:r>
+            <a:r>
+              <a:rPr lang="en-US" altLang="ko-KR" sz="1400"/>
+              <a:t>, </a:t>
+            </a:r>
+            <a:r>
+              <a:rPr lang="ko-KR" altLang="en-US" sz="1400"/>
+              <a:t>대소문자 구별</a:t>
+            </a:r>
+            <a:endParaRPr lang="en-US" altLang="ko-KR" sz="1400"/>
+          </a:p>
+          <a:p>
+            <a:pPr marL="285750" indent="-285750">
+              <a:buFontTx/>
+              <a:buChar char="-"/>
+            </a:pPr>
+            <a:r>
+              <a:rPr lang="ko-KR" altLang="en-US" sz="1400"/>
+              <a:t>한글 기호 입력 불가</a:t>
+            </a:r>
+            <a:endParaRPr lang="en-US" altLang="ko-KR" sz="1400"/>
+          </a:p>
+          <a:p>
+            <a:pPr marL="285750" indent="-285750">
+              <a:buFontTx/>
+              <a:buChar char="-"/>
+            </a:pPr>
+            <a:r>
+              <a:rPr lang="ko-KR" altLang="en-US" sz="1400"/>
+              <a:t>코드 전송 클릭 시 아이디 확인 후 코드 전송</a:t>
+            </a:r>
+            <a:endParaRPr lang="en-US" altLang="ko-KR" sz="1400"/>
+          </a:p>
+          <a:p>
+            <a:pPr marL="285750" indent="-285750">
+              <a:buFontTx/>
+              <a:buChar char="-"/>
+            </a:pPr>
+            <a:endParaRPr lang="en-US" altLang="ko-KR" sz="1400"/>
+          </a:p>
+          <a:p>
+            <a:r>
+              <a:rPr lang="en-US" altLang="ko-KR" sz="1400" b="1"/>
+              <a:t>[2] </a:t>
+            </a:r>
+            <a:r>
+              <a:rPr lang="ko-KR" altLang="en-US" sz="1400" b="1"/>
+              <a:t>인증 코드 입력</a:t>
+            </a:r>
+            <a:r>
+              <a:rPr lang="en-US" altLang="ko-KR" sz="1400" b="1"/>
+              <a:t>(</a:t>
+            </a:r>
+            <a:r>
+              <a:rPr lang="ko-KR" altLang="en-US" sz="1400" b="1"/>
+              <a:t>필수</a:t>
+            </a:r>
+            <a:r>
+              <a:rPr lang="en-US" altLang="ko-KR" sz="1400" b="1"/>
+              <a:t>)</a:t>
+            </a:r>
+          </a:p>
+          <a:p>
+            <a:pPr marL="285750" indent="-285750">
+              <a:buFontTx/>
+              <a:buChar char="-"/>
+            </a:pPr>
+            <a:r>
+              <a:rPr lang="ko-KR" altLang="en-US" sz="1400"/>
+              <a:t>전송받은 이메일 코드 입력</a:t>
+            </a:r>
+            <a:endParaRPr lang="en-US" altLang="ko-KR" sz="1400"/>
+          </a:p>
+          <a:p>
+            <a:pPr marL="285750" indent="-285750">
+              <a:buFontTx/>
+              <a:buChar char="-"/>
+            </a:pPr>
+            <a:endParaRPr lang="en-US" altLang="ko-KR" sz="1400"/>
+          </a:p>
+          <a:p>
+            <a:r>
+              <a:rPr lang="en-US" altLang="ko-KR" sz="1400" b="1"/>
+              <a:t>[3] </a:t>
+            </a:r>
+            <a:r>
+              <a:rPr lang="ko-KR" altLang="en-US" sz="1400" b="1"/>
+              <a:t>비밀번호 변경</a:t>
+            </a:r>
+            <a:endParaRPr lang="en-US" altLang="ko-KR" sz="1400" b="1"/>
+          </a:p>
+          <a:p>
+            <a:r>
+              <a:rPr lang="en-US" altLang="ko-KR" sz="1400"/>
+              <a:t>- </a:t>
+            </a:r>
+            <a:r>
+              <a:rPr lang="ko-KR" altLang="en-US" sz="1400"/>
+              <a:t>버튼 클릭 시 코드 인증값을 확인 후 비밀번호 변경</a:t>
+            </a:r>
+            <a:endParaRPr lang="en-US" altLang="ko-KR" sz="1400"/>
           </a:p>
         </p:txBody>
       </p:sp>
@@ -6512,6 +7705,713 @@
           </a:p>
         </p:txBody>
       </p:sp>
+      <p:pic>
+        <p:nvPicPr>
+          <p:cNvPr id="8" name="그림 7" descr="텍스트, 스크린샷, 지도이(가) 표시된 사진&#10;&#10;자동 생성된 설명">
+            <a:extLst>
+              <a:ext uri="{FF2B5EF4-FFF2-40B4-BE49-F238E27FC236}">
+                <a16:creationId xmlns:a16="http://schemas.microsoft.com/office/drawing/2014/main" id="{C196B8BA-EE6E-FD16-CC76-576862F2B074}"/>
+              </a:ext>
+            </a:extLst>
+          </p:cNvPr>
+          <p:cNvPicPr>
+            <a:picLocks noChangeAspect="1"/>
+          </p:cNvPicPr>
+          <p:nvPr/>
+        </p:nvPicPr>
+        <p:blipFill>
+          <a:blip r:embed="rId2">
+            <a:extLst>
+              <a:ext uri="{28A0092B-C50C-407E-A947-70E740481C1C}">
+                <a14:useLocalDpi xmlns:a14="http://schemas.microsoft.com/office/drawing/2010/main" val="0"/>
+              </a:ext>
+            </a:extLst>
+          </a:blip>
+          <a:stretch>
+            <a:fillRect/>
+          </a:stretch>
+        </p:blipFill>
+        <p:spPr>
+          <a:xfrm>
+            <a:off x="2285566" y="649070"/>
+            <a:ext cx="2974157" cy="5875773"/>
+          </a:xfrm>
+          <a:prstGeom prst="rect">
+            <a:avLst/>
+          </a:prstGeom>
+        </p:spPr>
+      </p:pic>
+      <p:sp>
+        <p:nvSpPr>
+          <p:cNvPr id="11" name="타원 10">
+            <a:extLst>
+              <a:ext uri="{FF2B5EF4-FFF2-40B4-BE49-F238E27FC236}">
+                <a16:creationId xmlns:a16="http://schemas.microsoft.com/office/drawing/2014/main" id="{226D32F8-618D-87C1-80B1-D6351AEE42ED}"/>
+              </a:ext>
+            </a:extLst>
+          </p:cNvPr>
+          <p:cNvSpPr/>
+          <p:nvPr/>
+        </p:nvSpPr>
+        <p:spPr>
+          <a:xfrm>
+            <a:off x="3391699" y="2455500"/>
+            <a:ext cx="216000" cy="216000"/>
+          </a:xfrm>
+          <a:prstGeom prst="ellipse">
+            <a:avLst/>
+          </a:prstGeom>
+          <a:solidFill>
+            <a:srgbClr val="FF0000"/>
+          </a:solidFill>
+          <a:ln>
+            <a:noFill/>
+          </a:ln>
+        </p:spPr>
+        <p:style>
+          <a:lnRef idx="2">
+            <a:schemeClr val="accent1">
+              <a:shade val="50000"/>
+            </a:schemeClr>
+          </a:lnRef>
+          <a:fillRef idx="1">
+            <a:schemeClr val="accent1"/>
+          </a:fillRef>
+          <a:effectRef idx="0">
+            <a:schemeClr val="accent1"/>
+          </a:effectRef>
+          <a:fontRef idx="minor">
+            <a:schemeClr val="lt1"/>
+          </a:fontRef>
+        </p:style>
+        <p:txBody>
+          <a:bodyPr wrap="none" lIns="0" tIns="0" rIns="0" bIns="0" rtlCol="0" anchor="ctr"/>
+          <a:lstStyle/>
+          <a:p>
+            <a:pPr algn="ctr"/>
+            <a:r>
+              <a:rPr lang="en-US" altLang="ko-KR" sz="1100">
+                <a:solidFill>
+                  <a:schemeClr val="bg1"/>
+                </a:solidFill>
+                <a:latin typeface="타이포_씨고딕 140" panose="02020503020101020101" pitchFamily="18" charset="-127"/>
+                <a:ea typeface="타이포_씨고딕 140" panose="02020503020101020101" pitchFamily="18" charset="-127"/>
+              </a:rPr>
+              <a:t>1</a:t>
+            </a:r>
+            <a:endParaRPr lang="ko-KR" altLang="en-US" sz="1100" dirty="0">
+              <a:solidFill>
+                <a:schemeClr val="bg1"/>
+              </a:solidFill>
+              <a:latin typeface="타이포_씨고딕 140" panose="02020503020101020101" pitchFamily="18" charset="-127"/>
+              <a:ea typeface="타이포_씨고딕 140" panose="02020503020101020101" pitchFamily="18" charset="-127"/>
+            </a:endParaRPr>
+          </a:p>
+        </p:txBody>
+      </p:sp>
+      <p:sp>
+        <p:nvSpPr>
+          <p:cNvPr id="12" name="타원 11">
+            <a:extLst>
+              <a:ext uri="{FF2B5EF4-FFF2-40B4-BE49-F238E27FC236}">
+                <a16:creationId xmlns:a16="http://schemas.microsoft.com/office/drawing/2014/main" id="{F1D4C236-25DB-4FDB-9FD5-C55886AD28A9}"/>
+              </a:ext>
+            </a:extLst>
+          </p:cNvPr>
+          <p:cNvSpPr/>
+          <p:nvPr/>
+        </p:nvSpPr>
+        <p:spPr>
+          <a:xfrm>
+            <a:off x="2689735" y="3970264"/>
+            <a:ext cx="216000" cy="216000"/>
+          </a:xfrm>
+          <a:prstGeom prst="ellipse">
+            <a:avLst/>
+          </a:prstGeom>
+          <a:solidFill>
+            <a:srgbClr val="FF0000"/>
+          </a:solidFill>
+          <a:ln>
+            <a:noFill/>
+          </a:ln>
+        </p:spPr>
+        <p:style>
+          <a:lnRef idx="2">
+            <a:schemeClr val="accent1">
+              <a:shade val="50000"/>
+            </a:schemeClr>
+          </a:lnRef>
+          <a:fillRef idx="1">
+            <a:schemeClr val="accent1"/>
+          </a:fillRef>
+          <a:effectRef idx="0">
+            <a:schemeClr val="accent1"/>
+          </a:effectRef>
+          <a:fontRef idx="minor">
+            <a:schemeClr val="lt1"/>
+          </a:fontRef>
+        </p:style>
+        <p:txBody>
+          <a:bodyPr wrap="none" lIns="0" tIns="0" rIns="0" bIns="0" rtlCol="0" anchor="ctr"/>
+          <a:lstStyle/>
+          <a:p>
+            <a:pPr algn="ctr"/>
+            <a:r>
+              <a:rPr lang="en-US" altLang="ko-KR" sz="1100">
+                <a:solidFill>
+                  <a:schemeClr val="bg1"/>
+                </a:solidFill>
+                <a:latin typeface="타이포_씨고딕 140" panose="02020503020101020101" pitchFamily="18" charset="-127"/>
+                <a:ea typeface="타이포_씨고딕 140" panose="02020503020101020101" pitchFamily="18" charset="-127"/>
+              </a:rPr>
+              <a:t>2</a:t>
+            </a:r>
+            <a:endParaRPr lang="ko-KR" altLang="en-US" sz="1100" dirty="0">
+              <a:solidFill>
+                <a:schemeClr val="bg1"/>
+              </a:solidFill>
+              <a:latin typeface="타이포_씨고딕 140" panose="02020503020101020101" pitchFamily="18" charset="-127"/>
+              <a:ea typeface="타이포_씨고딕 140" panose="02020503020101020101" pitchFamily="18" charset="-127"/>
+            </a:endParaRPr>
+          </a:p>
+        </p:txBody>
+      </p:sp>
+      <p:sp>
+        <p:nvSpPr>
+          <p:cNvPr id="13" name="타원 12">
+            <a:extLst>
+              <a:ext uri="{FF2B5EF4-FFF2-40B4-BE49-F238E27FC236}">
+                <a16:creationId xmlns:a16="http://schemas.microsoft.com/office/drawing/2014/main" id="{8CBF95A4-1689-4AE7-10F3-673D671C999A}"/>
+              </a:ext>
+            </a:extLst>
+          </p:cNvPr>
+          <p:cNvSpPr/>
+          <p:nvPr/>
+        </p:nvSpPr>
+        <p:spPr>
+          <a:xfrm>
+            <a:off x="2689735" y="4411092"/>
+            <a:ext cx="216000" cy="216000"/>
+          </a:xfrm>
+          <a:prstGeom prst="ellipse">
+            <a:avLst/>
+          </a:prstGeom>
+          <a:solidFill>
+            <a:srgbClr val="FF0000"/>
+          </a:solidFill>
+          <a:ln>
+            <a:noFill/>
+          </a:ln>
+        </p:spPr>
+        <p:style>
+          <a:lnRef idx="2">
+            <a:schemeClr val="accent1">
+              <a:shade val="50000"/>
+            </a:schemeClr>
+          </a:lnRef>
+          <a:fillRef idx="1">
+            <a:schemeClr val="accent1"/>
+          </a:fillRef>
+          <a:effectRef idx="0">
+            <a:schemeClr val="accent1"/>
+          </a:effectRef>
+          <a:fontRef idx="minor">
+            <a:schemeClr val="lt1"/>
+          </a:fontRef>
+        </p:style>
+        <p:txBody>
+          <a:bodyPr wrap="none" lIns="0" tIns="0" rIns="0" bIns="0" rtlCol="0" anchor="ctr"/>
+          <a:lstStyle/>
+          <a:p>
+            <a:pPr algn="ctr"/>
+            <a:r>
+              <a:rPr lang="en-US" altLang="ko-KR" sz="1100">
+                <a:solidFill>
+                  <a:schemeClr val="bg1"/>
+                </a:solidFill>
+                <a:latin typeface="타이포_씨고딕 140" panose="02020503020101020101" pitchFamily="18" charset="-127"/>
+                <a:ea typeface="타이포_씨고딕 140" panose="02020503020101020101" pitchFamily="18" charset="-127"/>
+              </a:rPr>
+              <a:t>3</a:t>
+            </a:r>
+            <a:endParaRPr lang="ko-KR" altLang="en-US" sz="1100" dirty="0">
+              <a:solidFill>
+                <a:schemeClr val="bg1"/>
+              </a:solidFill>
+              <a:latin typeface="타이포_씨고딕 140" panose="02020503020101020101" pitchFamily="18" charset="-127"/>
+              <a:ea typeface="타이포_씨고딕 140" panose="02020503020101020101" pitchFamily="18" charset="-127"/>
+            </a:endParaRPr>
+          </a:p>
+        </p:txBody>
+      </p:sp>
+      <p:sp>
+        <p:nvSpPr>
+          <p:cNvPr id="14" name="타원 13">
+            <a:extLst>
+              <a:ext uri="{FF2B5EF4-FFF2-40B4-BE49-F238E27FC236}">
+                <a16:creationId xmlns:a16="http://schemas.microsoft.com/office/drawing/2014/main" id="{E245CDB6-33BA-21E5-F325-609CE0019F7F}"/>
+              </a:ext>
+            </a:extLst>
+          </p:cNvPr>
+          <p:cNvSpPr/>
+          <p:nvPr/>
+        </p:nvSpPr>
+        <p:spPr>
+          <a:xfrm>
+            <a:off x="3997563" y="4912373"/>
+            <a:ext cx="216000" cy="216000"/>
+          </a:xfrm>
+          <a:prstGeom prst="ellipse">
+            <a:avLst/>
+          </a:prstGeom>
+          <a:solidFill>
+            <a:srgbClr val="FF0000"/>
+          </a:solidFill>
+          <a:ln>
+            <a:noFill/>
+          </a:ln>
+        </p:spPr>
+        <p:style>
+          <a:lnRef idx="2">
+            <a:schemeClr val="accent1">
+              <a:shade val="50000"/>
+            </a:schemeClr>
+          </a:lnRef>
+          <a:fillRef idx="1">
+            <a:schemeClr val="accent1"/>
+          </a:fillRef>
+          <a:effectRef idx="0">
+            <a:schemeClr val="accent1"/>
+          </a:effectRef>
+          <a:fontRef idx="minor">
+            <a:schemeClr val="lt1"/>
+          </a:fontRef>
+        </p:style>
+        <p:txBody>
+          <a:bodyPr wrap="none" lIns="0" tIns="0" rIns="0" bIns="0" rtlCol="0" anchor="ctr"/>
+          <a:lstStyle/>
+          <a:p>
+            <a:pPr algn="ctr"/>
+            <a:r>
+              <a:rPr lang="en-US" altLang="ko-KR" sz="1100">
+                <a:solidFill>
+                  <a:schemeClr val="bg1"/>
+                </a:solidFill>
+                <a:latin typeface="타이포_씨고딕 140" panose="02020503020101020101" pitchFamily="18" charset="-127"/>
+                <a:ea typeface="타이포_씨고딕 140" panose="02020503020101020101" pitchFamily="18" charset="-127"/>
+              </a:rPr>
+              <a:t>4</a:t>
+            </a:r>
+            <a:endParaRPr lang="ko-KR" altLang="en-US" sz="1100" dirty="0">
+              <a:solidFill>
+                <a:schemeClr val="bg1"/>
+              </a:solidFill>
+              <a:latin typeface="타이포_씨고딕 140" panose="02020503020101020101" pitchFamily="18" charset="-127"/>
+              <a:ea typeface="타이포_씨고딕 140" panose="02020503020101020101" pitchFamily="18" charset="-127"/>
+            </a:endParaRPr>
+          </a:p>
+        </p:txBody>
+      </p:sp>
+      <p:sp>
+        <p:nvSpPr>
+          <p:cNvPr id="15" name="타원 14">
+            <a:extLst>
+              <a:ext uri="{FF2B5EF4-FFF2-40B4-BE49-F238E27FC236}">
+                <a16:creationId xmlns:a16="http://schemas.microsoft.com/office/drawing/2014/main" id="{9D2BE4D7-9715-3613-1DB7-C5F81CA59815}"/>
+              </a:ext>
+            </a:extLst>
+          </p:cNvPr>
+          <p:cNvSpPr/>
+          <p:nvPr/>
+        </p:nvSpPr>
+        <p:spPr>
+          <a:xfrm>
+            <a:off x="2905735" y="5359967"/>
+            <a:ext cx="216000" cy="216000"/>
+          </a:xfrm>
+          <a:prstGeom prst="ellipse">
+            <a:avLst/>
+          </a:prstGeom>
+          <a:solidFill>
+            <a:srgbClr val="FF0000"/>
+          </a:solidFill>
+          <a:ln>
+            <a:noFill/>
+          </a:ln>
+        </p:spPr>
+        <p:style>
+          <a:lnRef idx="2">
+            <a:schemeClr val="accent1">
+              <a:shade val="50000"/>
+            </a:schemeClr>
+          </a:lnRef>
+          <a:fillRef idx="1">
+            <a:schemeClr val="accent1"/>
+          </a:fillRef>
+          <a:effectRef idx="0">
+            <a:schemeClr val="accent1"/>
+          </a:effectRef>
+          <a:fontRef idx="minor">
+            <a:schemeClr val="lt1"/>
+          </a:fontRef>
+        </p:style>
+        <p:txBody>
+          <a:bodyPr wrap="none" lIns="0" tIns="0" rIns="0" bIns="0" rtlCol="0" anchor="ctr"/>
+          <a:lstStyle/>
+          <a:p>
+            <a:pPr algn="ctr"/>
+            <a:r>
+              <a:rPr lang="en-US" altLang="ko-KR" sz="1100" dirty="0">
+                <a:solidFill>
+                  <a:schemeClr val="bg1"/>
+                </a:solidFill>
+                <a:latin typeface="타이포_씨고딕 140" panose="02020503020101020101" pitchFamily="18" charset="-127"/>
+                <a:ea typeface="타이포_씨고딕 140" panose="02020503020101020101" pitchFamily="18" charset="-127"/>
+              </a:rPr>
+              <a:t>5</a:t>
+            </a:r>
+            <a:endParaRPr lang="ko-KR" altLang="en-US" sz="1100" dirty="0">
+              <a:solidFill>
+                <a:schemeClr val="bg1"/>
+              </a:solidFill>
+              <a:latin typeface="타이포_씨고딕 140" panose="02020503020101020101" pitchFamily="18" charset="-127"/>
+              <a:ea typeface="타이포_씨고딕 140" panose="02020503020101020101" pitchFamily="18" charset="-127"/>
+            </a:endParaRPr>
+          </a:p>
+        </p:txBody>
+      </p:sp>
+      <p:sp>
+        <p:nvSpPr>
+          <p:cNvPr id="16" name="타원 15">
+            <a:extLst>
+              <a:ext uri="{FF2B5EF4-FFF2-40B4-BE49-F238E27FC236}">
+                <a16:creationId xmlns:a16="http://schemas.microsoft.com/office/drawing/2014/main" id="{3AD08CFD-936A-D7D2-D256-28DF4BC4F06B}"/>
+              </a:ext>
+            </a:extLst>
+          </p:cNvPr>
+          <p:cNvSpPr/>
+          <p:nvPr/>
+        </p:nvSpPr>
+        <p:spPr>
+          <a:xfrm>
+            <a:off x="2581735" y="5992930"/>
+            <a:ext cx="216000" cy="216000"/>
+          </a:xfrm>
+          <a:prstGeom prst="ellipse">
+            <a:avLst/>
+          </a:prstGeom>
+          <a:solidFill>
+            <a:srgbClr val="FF0000"/>
+          </a:solidFill>
+          <a:ln>
+            <a:noFill/>
+          </a:ln>
+        </p:spPr>
+        <p:style>
+          <a:lnRef idx="2">
+            <a:schemeClr val="accent1">
+              <a:shade val="50000"/>
+            </a:schemeClr>
+          </a:lnRef>
+          <a:fillRef idx="1">
+            <a:schemeClr val="accent1"/>
+          </a:fillRef>
+          <a:effectRef idx="0">
+            <a:schemeClr val="accent1"/>
+          </a:effectRef>
+          <a:fontRef idx="minor">
+            <a:schemeClr val="lt1"/>
+          </a:fontRef>
+        </p:style>
+        <p:txBody>
+          <a:bodyPr wrap="none" lIns="0" tIns="0" rIns="0" bIns="0" rtlCol="0" anchor="ctr"/>
+          <a:lstStyle/>
+          <a:p>
+            <a:pPr algn="ctr"/>
+            <a:r>
+              <a:rPr lang="en-US" altLang="ko-KR" sz="1100">
+                <a:solidFill>
+                  <a:schemeClr val="bg1"/>
+                </a:solidFill>
+                <a:latin typeface="타이포_씨고딕 140" panose="02020503020101020101" pitchFamily="18" charset="-127"/>
+                <a:ea typeface="타이포_씨고딕 140" panose="02020503020101020101" pitchFamily="18" charset="-127"/>
+              </a:rPr>
+              <a:t>6</a:t>
+            </a:r>
+            <a:endParaRPr lang="ko-KR" altLang="en-US" sz="1100" dirty="0">
+              <a:solidFill>
+                <a:schemeClr val="bg1"/>
+              </a:solidFill>
+              <a:latin typeface="타이포_씨고딕 140" panose="02020503020101020101" pitchFamily="18" charset="-127"/>
+              <a:ea typeface="타이포_씨고딕 140" panose="02020503020101020101" pitchFamily="18" charset="-127"/>
+            </a:endParaRPr>
+          </a:p>
+        </p:txBody>
+      </p:sp>
+      <p:sp>
+        <p:nvSpPr>
+          <p:cNvPr id="17" name="TextBox 16">
+            <a:extLst>
+              <a:ext uri="{FF2B5EF4-FFF2-40B4-BE49-F238E27FC236}">
+                <a16:creationId xmlns:a16="http://schemas.microsoft.com/office/drawing/2014/main" id="{28F43F05-D3B0-EF89-FD70-B1C88CF59D2D}"/>
+              </a:ext>
+            </a:extLst>
+          </p:cNvPr>
+          <p:cNvSpPr txBox="1"/>
+          <p:nvPr/>
+        </p:nvSpPr>
+        <p:spPr>
+          <a:xfrm>
+            <a:off x="8211125" y="446831"/>
+            <a:ext cx="3820454" cy="5047536"/>
+          </a:xfrm>
+          <a:prstGeom prst="rect">
+            <a:avLst/>
+          </a:prstGeom>
+          <a:noFill/>
+        </p:spPr>
+        <p:txBody>
+          <a:bodyPr wrap="square" rtlCol="0">
+            <a:spAutoFit/>
+          </a:bodyPr>
+          <a:lstStyle/>
+          <a:p>
+            <a:r>
+              <a:rPr lang="en-US" altLang="ko-KR" sz="1400" b="1"/>
+              <a:t>[1] </a:t>
+            </a:r>
+            <a:r>
+              <a:rPr lang="ko-KR" altLang="en-US" sz="1400" b="1"/>
+              <a:t>네이버 지도</a:t>
+            </a:r>
+            <a:r>
+              <a:rPr lang="en-US" altLang="ko-KR" sz="1400" b="1"/>
+              <a:t>&amp; </a:t>
+            </a:r>
+            <a:r>
+              <a:rPr lang="ko-KR" altLang="en-US" sz="1400" b="1"/>
+              <a:t>마커</a:t>
+            </a:r>
+            <a:endParaRPr lang="en-US" altLang="ko-KR" sz="1400" b="1"/>
+          </a:p>
+          <a:p>
+            <a:pPr marL="285750" indent="-285750">
+              <a:buFontTx/>
+              <a:buChar char="-"/>
+            </a:pPr>
+            <a:r>
+              <a:rPr lang="ko-KR" altLang="en-US" sz="1400"/>
+              <a:t>버튼 클릭 시 마커 정보 확인 창</a:t>
+            </a:r>
+            <a:endParaRPr lang="en-US" altLang="ko-KR" sz="1400"/>
+          </a:p>
+          <a:p>
+            <a:pPr marL="285750" indent="-285750">
+              <a:buFontTx/>
+              <a:buChar char="-"/>
+            </a:pPr>
+            <a:r>
+              <a:rPr lang="ko-KR" altLang="en-US" sz="1400"/>
+              <a:t>네이버 </a:t>
+            </a:r>
+            <a:r>
+              <a:rPr lang="en-US" altLang="ko-KR" sz="1400"/>
+              <a:t>API </a:t>
+            </a:r>
+            <a:r>
+              <a:rPr lang="ko-KR" altLang="en-US" sz="1400"/>
+              <a:t>사용</a:t>
+            </a:r>
+            <a:endParaRPr lang="en-US" altLang="ko-KR" sz="1400"/>
+          </a:p>
+          <a:p>
+            <a:endParaRPr lang="en-US" altLang="ko-KR" sz="1400"/>
+          </a:p>
+          <a:p>
+            <a:r>
+              <a:rPr lang="en-US" altLang="ko-KR" sz="1400" b="1"/>
+              <a:t>[2] </a:t>
+            </a:r>
+            <a:r>
+              <a:rPr lang="ko-KR" altLang="en-US" sz="1400" b="1"/>
+              <a:t>마커 찍기 버튼</a:t>
+            </a:r>
+            <a:endParaRPr lang="en-US" altLang="ko-KR" sz="1400" b="1"/>
+          </a:p>
+          <a:p>
+            <a:pPr marL="285750" indent="-285750">
+              <a:buFontTx/>
+              <a:buChar char="-"/>
+            </a:pPr>
+            <a:r>
+              <a:rPr lang="ko-KR" altLang="en-US" sz="1400"/>
+              <a:t>버튼을 끌어와서 지도에 마커 두기</a:t>
+            </a:r>
+            <a:endParaRPr lang="en-US" altLang="ko-KR" sz="1400"/>
+          </a:p>
+          <a:p>
+            <a:pPr marL="285750" indent="-285750">
+              <a:buFontTx/>
+              <a:buChar char="-"/>
+            </a:pPr>
+            <a:r>
+              <a:rPr lang="ko-KR" altLang="en-US" sz="1400"/>
+              <a:t>마커를 끌어 왔다면 마커 정보 입력창 이동</a:t>
+            </a:r>
+            <a:endParaRPr lang="en-US" altLang="ko-KR" sz="1400"/>
+          </a:p>
+          <a:p>
+            <a:endParaRPr lang="en-US" altLang="ko-KR" sz="1400"/>
+          </a:p>
+          <a:p>
+            <a:r>
+              <a:rPr lang="en-US" altLang="ko-KR" sz="1400" b="1"/>
+              <a:t>[3] </a:t>
+            </a:r>
+            <a:r>
+              <a:rPr lang="ko-KR" altLang="en-US" sz="1400" b="1"/>
+              <a:t>내 위치 이동 버튼</a:t>
+            </a:r>
+            <a:endParaRPr lang="en-US" altLang="ko-KR" sz="1400" b="1"/>
+          </a:p>
+          <a:p>
+            <a:pPr marL="285750" indent="-285750">
+              <a:buFontTx/>
+              <a:buChar char="-"/>
+            </a:pPr>
+            <a:r>
+              <a:rPr lang="ko-KR" altLang="en-US" sz="1400"/>
+              <a:t>현재 내 </a:t>
+            </a:r>
+            <a:r>
+              <a:rPr lang="en-US" altLang="ko-KR" sz="1400"/>
+              <a:t>GPS </a:t>
+            </a:r>
+            <a:r>
+              <a:rPr lang="ko-KR" altLang="en-US" sz="1400"/>
+              <a:t>위치로 지도 이동</a:t>
+            </a:r>
+            <a:endParaRPr lang="en-US" altLang="ko-KR" sz="1400"/>
+          </a:p>
+          <a:p>
+            <a:pPr marL="285750" indent="-285750">
+              <a:buFontTx/>
+              <a:buChar char="-"/>
+            </a:pPr>
+            <a:endParaRPr lang="en-US" altLang="ko-KR" sz="1400"/>
+          </a:p>
+          <a:p>
+            <a:r>
+              <a:rPr lang="en-US" altLang="ko-KR" sz="1400" b="1"/>
+              <a:t>[4] Bottom Sheet</a:t>
+            </a:r>
+          </a:p>
+          <a:p>
+            <a:pPr marL="285750" indent="-285750">
+              <a:buFontTx/>
+              <a:buChar char="-"/>
+            </a:pPr>
+            <a:r>
+              <a:rPr lang="ko-KR" altLang="en-US" sz="1400"/>
+              <a:t>위로 끌어 올리면 마커 정보 화면 표시</a:t>
+            </a:r>
+            <a:endParaRPr lang="en-US" altLang="ko-KR" sz="1400"/>
+          </a:p>
+          <a:p>
+            <a:pPr marL="285750" indent="-285750">
+              <a:buFontTx/>
+              <a:buChar char="-"/>
+            </a:pPr>
+            <a:endParaRPr lang="en-US" altLang="ko-KR" sz="1400"/>
+          </a:p>
+          <a:p>
+            <a:r>
+              <a:rPr lang="en-US" altLang="ko-KR" sz="1400" b="1"/>
+              <a:t>[5] </a:t>
+            </a:r>
+            <a:r>
+              <a:rPr lang="ko-KR" altLang="en-US" sz="1400" b="1"/>
+              <a:t>마커 정보</a:t>
+            </a:r>
+            <a:endParaRPr lang="en-US" altLang="ko-KR" sz="1400" b="1"/>
+          </a:p>
+          <a:p>
+            <a:r>
+              <a:rPr lang="en-US" altLang="ko-KR" sz="1400"/>
+              <a:t>- </a:t>
+            </a:r>
+            <a:r>
+              <a:rPr lang="ko-KR" altLang="en-US" sz="1400"/>
+              <a:t>지금까지 작성한 마커 내용 확인 가능</a:t>
+            </a:r>
+            <a:endParaRPr lang="en-US" altLang="ko-KR" sz="1400"/>
+          </a:p>
+          <a:p>
+            <a:endParaRPr lang="en-US" altLang="ko-KR" sz="1400"/>
+          </a:p>
+          <a:p>
+            <a:r>
+              <a:rPr lang="en-US" altLang="ko-KR" sz="1400" b="1"/>
+              <a:t>[6] </a:t>
+            </a:r>
+            <a:r>
+              <a:rPr lang="ko-KR" altLang="en-US" sz="1400" b="1"/>
+              <a:t>네이게이션 바</a:t>
+            </a:r>
+            <a:endParaRPr lang="en-US" altLang="ko-KR" sz="1400" b="1"/>
+          </a:p>
+          <a:p>
+            <a:r>
+              <a:rPr lang="en-US" altLang="ko-KR" sz="1400"/>
+              <a:t>- </a:t>
+            </a:r>
+            <a:r>
+              <a:rPr lang="ko-KR" altLang="en-US" sz="1400"/>
+              <a:t>지도</a:t>
+            </a:r>
+            <a:r>
+              <a:rPr lang="en-US" altLang="ko-KR" sz="1400"/>
+              <a:t>, </a:t>
+            </a:r>
+            <a:r>
+              <a:rPr lang="ko-KR" altLang="en-US" sz="1400"/>
+              <a:t>여행지 추천</a:t>
+            </a:r>
+            <a:r>
+              <a:rPr lang="en-US" altLang="ko-KR" sz="1400"/>
+              <a:t>, </a:t>
+            </a:r>
+            <a:r>
+              <a:rPr lang="ko-KR" altLang="en-US" sz="1400"/>
+              <a:t>내 정보</a:t>
+            </a:r>
+            <a:r>
+              <a:rPr lang="en-US" altLang="ko-KR" sz="1400"/>
+              <a:t>, </a:t>
+            </a:r>
+            <a:r>
+              <a:rPr lang="ko-KR" altLang="en-US" sz="1400"/>
+              <a:t>일정 화면으로 이동 가능</a:t>
+            </a:r>
+            <a:endParaRPr lang="en-US" altLang="ko-KR" sz="1400"/>
+          </a:p>
+          <a:p>
+            <a:pPr marL="285750" indent="-285750">
+              <a:buFontTx/>
+              <a:buChar char="-"/>
+            </a:pPr>
+            <a:endParaRPr lang="en-US" altLang="ko-KR" sz="1400" b="1"/>
+          </a:p>
+          <a:p>
+            <a:pPr marL="285750" indent="-285750">
+              <a:buFontTx/>
+              <a:buChar char="-"/>
+            </a:pPr>
+            <a:endParaRPr lang="en-US" altLang="ko-KR" sz="1400" b="1"/>
+          </a:p>
+        </p:txBody>
+      </p:sp>
     </p:spTree>
     <p:extLst>
       <p:ext uri="{BB962C8B-B14F-4D97-AF65-F5344CB8AC3E}">
@@ -6998,6 +8898,187 @@
           </a:p>
         </p:txBody>
       </p:sp>
+      <p:pic>
+        <p:nvPicPr>
+          <p:cNvPr id="7" name="그림 6" descr="스크린샷, 텍스트, 멀티미디어, 통신 장치이(가) 표시된 사진&#10;&#10;자동 생성된 설명">
+            <a:extLst>
+              <a:ext uri="{FF2B5EF4-FFF2-40B4-BE49-F238E27FC236}">
+                <a16:creationId xmlns:a16="http://schemas.microsoft.com/office/drawing/2014/main" id="{B901AD82-90C1-BE32-80CC-2EB843B989CA}"/>
+              </a:ext>
+            </a:extLst>
+          </p:cNvPr>
+          <p:cNvPicPr>
+            <a:picLocks noChangeAspect="1"/>
+          </p:cNvPicPr>
+          <p:nvPr/>
+        </p:nvPicPr>
+        <p:blipFill>
+          <a:blip r:embed="rId2">
+            <a:extLst>
+              <a:ext uri="{28A0092B-C50C-407E-A947-70E740481C1C}">
+                <a14:useLocalDpi xmlns:a14="http://schemas.microsoft.com/office/drawing/2010/main" val="0"/>
+              </a:ext>
+            </a:extLst>
+          </a:blip>
+          <a:stretch>
+            <a:fillRect/>
+          </a:stretch>
+        </p:blipFill>
+        <p:spPr>
+          <a:xfrm>
+            <a:off x="2285566" y="638707"/>
+            <a:ext cx="2974157" cy="5896498"/>
+          </a:xfrm>
+          <a:prstGeom prst="rect">
+            <a:avLst/>
+          </a:prstGeom>
+        </p:spPr>
+      </p:pic>
+      <p:sp>
+        <p:nvSpPr>
+          <p:cNvPr id="8" name="타원 7">
+            <a:extLst>
+              <a:ext uri="{FF2B5EF4-FFF2-40B4-BE49-F238E27FC236}">
+                <a16:creationId xmlns:a16="http://schemas.microsoft.com/office/drawing/2014/main" id="{9ACB8C78-126D-19CA-FB80-54A267F9D830}"/>
+              </a:ext>
+            </a:extLst>
+          </p:cNvPr>
+          <p:cNvSpPr/>
+          <p:nvPr/>
+        </p:nvSpPr>
+        <p:spPr>
+          <a:xfrm>
+            <a:off x="3022245" y="1901319"/>
+            <a:ext cx="216000" cy="216000"/>
+          </a:xfrm>
+          <a:prstGeom prst="ellipse">
+            <a:avLst/>
+          </a:prstGeom>
+          <a:solidFill>
+            <a:srgbClr val="FF0000"/>
+          </a:solidFill>
+          <a:ln>
+            <a:noFill/>
+          </a:ln>
+        </p:spPr>
+        <p:style>
+          <a:lnRef idx="2">
+            <a:schemeClr val="accent1">
+              <a:shade val="50000"/>
+            </a:schemeClr>
+          </a:lnRef>
+          <a:fillRef idx="1">
+            <a:schemeClr val="accent1"/>
+          </a:fillRef>
+          <a:effectRef idx="0">
+            <a:schemeClr val="accent1"/>
+          </a:effectRef>
+          <a:fontRef idx="minor">
+            <a:schemeClr val="lt1"/>
+          </a:fontRef>
+        </p:style>
+        <p:txBody>
+          <a:bodyPr wrap="none" lIns="0" tIns="0" rIns="0" bIns="0" rtlCol="0" anchor="ctr"/>
+          <a:lstStyle/>
+          <a:p>
+            <a:pPr algn="ctr"/>
+            <a:r>
+              <a:rPr lang="en-US" altLang="ko-KR" sz="1100">
+                <a:solidFill>
+                  <a:schemeClr val="bg1"/>
+                </a:solidFill>
+                <a:latin typeface="타이포_씨고딕 140" panose="02020503020101020101" pitchFamily="18" charset="-127"/>
+                <a:ea typeface="타이포_씨고딕 140" panose="02020503020101020101" pitchFamily="18" charset="-127"/>
+              </a:rPr>
+              <a:t>1</a:t>
+            </a:r>
+            <a:endParaRPr lang="ko-KR" altLang="en-US" sz="1100" dirty="0">
+              <a:solidFill>
+                <a:schemeClr val="bg1"/>
+              </a:solidFill>
+              <a:latin typeface="타이포_씨고딕 140" panose="02020503020101020101" pitchFamily="18" charset="-127"/>
+              <a:ea typeface="타이포_씨고딕 140" panose="02020503020101020101" pitchFamily="18" charset="-127"/>
+            </a:endParaRPr>
+          </a:p>
+        </p:txBody>
+      </p:sp>
+      <p:sp>
+        <p:nvSpPr>
+          <p:cNvPr id="9" name="TextBox 8">
+            <a:extLst>
+              <a:ext uri="{FF2B5EF4-FFF2-40B4-BE49-F238E27FC236}">
+                <a16:creationId xmlns:a16="http://schemas.microsoft.com/office/drawing/2014/main" id="{EFD6D6BD-C698-E235-ACE0-97EBBEC4B72A}"/>
+              </a:ext>
+            </a:extLst>
+          </p:cNvPr>
+          <p:cNvSpPr txBox="1"/>
+          <p:nvPr/>
+        </p:nvSpPr>
+        <p:spPr>
+          <a:xfrm>
+            <a:off x="8211125" y="446831"/>
+            <a:ext cx="3820454" cy="954107"/>
+          </a:xfrm>
+          <a:prstGeom prst="rect">
+            <a:avLst/>
+          </a:prstGeom>
+          <a:noFill/>
+        </p:spPr>
+        <p:txBody>
+          <a:bodyPr wrap="square" rtlCol="0">
+            <a:spAutoFit/>
+          </a:bodyPr>
+          <a:lstStyle/>
+          <a:p>
+            <a:r>
+              <a:rPr lang="en-US" altLang="ko-KR" sz="1400" b="1"/>
+              <a:t>[1] </a:t>
+            </a:r>
+            <a:r>
+              <a:rPr lang="ko-KR" altLang="en-US" sz="1400" b="1"/>
+              <a:t>마커 정보</a:t>
+            </a:r>
+            <a:endParaRPr lang="en-US" altLang="ko-KR" sz="1400" b="1"/>
+          </a:p>
+          <a:p>
+            <a:pPr marL="285750" indent="-285750">
+              <a:buFontTx/>
+              <a:buChar char="-"/>
+            </a:pPr>
+            <a:r>
+              <a:rPr lang="ko-KR" altLang="en-US" sz="1400"/>
+              <a:t>지금까지 작성한 마커 정보 내역</a:t>
+            </a:r>
+            <a:r>
+              <a:rPr lang="en-US" altLang="ko-KR" sz="1400"/>
+              <a:t> </a:t>
+            </a:r>
+            <a:r>
+              <a:rPr lang="ko-KR" altLang="en-US" sz="1400"/>
+              <a:t>확인</a:t>
+            </a:r>
+            <a:endParaRPr lang="en-US" altLang="ko-KR" sz="1400"/>
+          </a:p>
+          <a:p>
+            <a:pPr marL="285750" indent="-285750">
+              <a:buFontTx/>
+              <a:buChar char="-"/>
+            </a:pPr>
+            <a:r>
+              <a:rPr lang="ko-KR" altLang="en-US" sz="1400"/>
+              <a:t>클릭 시 해당 마커로 이동</a:t>
+            </a:r>
+            <a:endParaRPr lang="en-US" altLang="ko-KR" sz="1400"/>
+          </a:p>
+          <a:p>
+            <a:pPr marL="285750" indent="-285750">
+              <a:buFontTx/>
+              <a:buChar char="-"/>
+            </a:pPr>
+            <a:endParaRPr lang="en-US" altLang="ko-KR" sz="1400" b="1"/>
+          </a:p>
+        </p:txBody>
+      </p:sp>
     </p:spTree>
     <p:extLst>
       <p:ext uri="{BB962C8B-B14F-4D97-AF65-F5344CB8AC3E}">
@@ -7460,6 +9541,323 @@
           </a:p>
         </p:txBody>
       </p:sp>
+      <p:pic>
+        <p:nvPicPr>
+          <p:cNvPr id="8" name="그림 7" descr="텍스트, 휴대 전화, 스크린샷, 모바일 기기이(가) 표시된 사진&#10;&#10;자동 생성된 설명">
+            <a:extLst>
+              <a:ext uri="{FF2B5EF4-FFF2-40B4-BE49-F238E27FC236}">
+                <a16:creationId xmlns:a16="http://schemas.microsoft.com/office/drawing/2014/main" id="{81429FA6-DBA6-F173-516C-15627228B167}"/>
+              </a:ext>
+            </a:extLst>
+          </p:cNvPr>
+          <p:cNvPicPr>
+            <a:picLocks noChangeAspect="1"/>
+          </p:cNvPicPr>
+          <p:nvPr/>
+        </p:nvPicPr>
+        <p:blipFill>
+          <a:blip r:embed="rId2">
+            <a:extLst>
+              <a:ext uri="{28A0092B-C50C-407E-A947-70E740481C1C}">
+                <a14:useLocalDpi xmlns:a14="http://schemas.microsoft.com/office/drawing/2010/main" val="0"/>
+              </a:ext>
+            </a:extLst>
+          </a:blip>
+          <a:stretch>
+            <a:fillRect/>
+          </a:stretch>
+        </p:blipFill>
+        <p:spPr>
+          <a:xfrm>
+            <a:off x="2232530" y="636213"/>
+            <a:ext cx="3080230" cy="6085070"/>
+          </a:xfrm>
+          <a:prstGeom prst="rect">
+            <a:avLst/>
+          </a:prstGeom>
+        </p:spPr>
+      </p:pic>
+      <p:sp>
+        <p:nvSpPr>
+          <p:cNvPr id="9" name="타원 8">
+            <a:extLst>
+              <a:ext uri="{FF2B5EF4-FFF2-40B4-BE49-F238E27FC236}">
+                <a16:creationId xmlns:a16="http://schemas.microsoft.com/office/drawing/2014/main" id="{1285CC33-050A-D6DA-16EE-DEDA7635EF79}"/>
+              </a:ext>
+            </a:extLst>
+          </p:cNvPr>
+          <p:cNvSpPr/>
+          <p:nvPr/>
+        </p:nvSpPr>
+        <p:spPr>
+          <a:xfrm>
+            <a:off x="3290099" y="5669755"/>
+            <a:ext cx="216000" cy="216000"/>
+          </a:xfrm>
+          <a:prstGeom prst="ellipse">
+            <a:avLst/>
+          </a:prstGeom>
+          <a:solidFill>
+            <a:srgbClr val="FF0000"/>
+          </a:solidFill>
+          <a:ln>
+            <a:noFill/>
+          </a:ln>
+        </p:spPr>
+        <p:style>
+          <a:lnRef idx="2">
+            <a:schemeClr val="accent1">
+              <a:shade val="50000"/>
+            </a:schemeClr>
+          </a:lnRef>
+          <a:fillRef idx="1">
+            <a:schemeClr val="accent1"/>
+          </a:fillRef>
+          <a:effectRef idx="0">
+            <a:schemeClr val="accent1"/>
+          </a:effectRef>
+          <a:fontRef idx="minor">
+            <a:schemeClr val="lt1"/>
+          </a:fontRef>
+        </p:style>
+        <p:txBody>
+          <a:bodyPr wrap="none" lIns="0" tIns="0" rIns="0" bIns="0" rtlCol="0" anchor="ctr"/>
+          <a:lstStyle/>
+          <a:p>
+            <a:pPr algn="ctr"/>
+            <a:r>
+              <a:rPr lang="en-US" altLang="ko-KR" sz="1100">
+                <a:solidFill>
+                  <a:schemeClr val="bg1"/>
+                </a:solidFill>
+                <a:latin typeface="타이포_씨고딕 140" panose="02020503020101020101" pitchFamily="18" charset="-127"/>
+                <a:ea typeface="타이포_씨고딕 140" panose="02020503020101020101" pitchFamily="18" charset="-127"/>
+              </a:rPr>
+              <a:t>1</a:t>
+            </a:r>
+            <a:endParaRPr lang="ko-KR" altLang="en-US" sz="1100" dirty="0">
+              <a:solidFill>
+                <a:schemeClr val="bg1"/>
+              </a:solidFill>
+              <a:latin typeface="타이포_씨고딕 140" panose="02020503020101020101" pitchFamily="18" charset="-127"/>
+              <a:ea typeface="타이포_씨고딕 140" panose="02020503020101020101" pitchFamily="18" charset="-127"/>
+            </a:endParaRPr>
+          </a:p>
+        </p:txBody>
+      </p:sp>
+      <p:sp>
+        <p:nvSpPr>
+          <p:cNvPr id="10" name="타원 9">
+            <a:extLst>
+              <a:ext uri="{FF2B5EF4-FFF2-40B4-BE49-F238E27FC236}">
+                <a16:creationId xmlns:a16="http://schemas.microsoft.com/office/drawing/2014/main" id="{4D6CCADA-269A-B46D-19DA-7FB4EAE3DB2B}"/>
+              </a:ext>
+            </a:extLst>
+          </p:cNvPr>
+          <p:cNvSpPr/>
+          <p:nvPr/>
+        </p:nvSpPr>
+        <p:spPr>
+          <a:xfrm>
+            <a:off x="4847282" y="5561755"/>
+            <a:ext cx="216000" cy="216000"/>
+          </a:xfrm>
+          <a:prstGeom prst="ellipse">
+            <a:avLst/>
+          </a:prstGeom>
+          <a:solidFill>
+            <a:srgbClr val="FF0000"/>
+          </a:solidFill>
+          <a:ln>
+            <a:noFill/>
+          </a:ln>
+        </p:spPr>
+        <p:style>
+          <a:lnRef idx="2">
+            <a:schemeClr val="accent1">
+              <a:shade val="50000"/>
+            </a:schemeClr>
+          </a:lnRef>
+          <a:fillRef idx="1">
+            <a:schemeClr val="accent1"/>
+          </a:fillRef>
+          <a:effectRef idx="0">
+            <a:schemeClr val="accent1"/>
+          </a:effectRef>
+          <a:fontRef idx="minor">
+            <a:schemeClr val="lt1"/>
+          </a:fontRef>
+        </p:style>
+        <p:txBody>
+          <a:bodyPr wrap="none" lIns="0" tIns="0" rIns="0" bIns="0" rtlCol="0" anchor="ctr"/>
+          <a:lstStyle/>
+          <a:p>
+            <a:pPr algn="ctr"/>
+            <a:r>
+              <a:rPr lang="en-US" altLang="ko-KR" sz="1100">
+                <a:solidFill>
+                  <a:schemeClr val="bg1"/>
+                </a:solidFill>
+                <a:latin typeface="타이포_씨고딕 140" panose="02020503020101020101" pitchFamily="18" charset="-127"/>
+                <a:ea typeface="타이포_씨고딕 140" panose="02020503020101020101" pitchFamily="18" charset="-127"/>
+              </a:rPr>
+              <a:t>2</a:t>
+            </a:r>
+            <a:endParaRPr lang="ko-KR" altLang="en-US" sz="1100" dirty="0">
+              <a:solidFill>
+                <a:schemeClr val="bg1"/>
+              </a:solidFill>
+              <a:latin typeface="타이포_씨고딕 140" panose="02020503020101020101" pitchFamily="18" charset="-127"/>
+              <a:ea typeface="타이포_씨고딕 140" panose="02020503020101020101" pitchFamily="18" charset="-127"/>
+            </a:endParaRPr>
+          </a:p>
+        </p:txBody>
+      </p:sp>
+      <p:sp>
+        <p:nvSpPr>
+          <p:cNvPr id="11" name="타원 10">
+            <a:extLst>
+              <a:ext uri="{FF2B5EF4-FFF2-40B4-BE49-F238E27FC236}">
+                <a16:creationId xmlns:a16="http://schemas.microsoft.com/office/drawing/2014/main" id="{0ABB9C0F-4655-073B-C842-53524784230B}"/>
+              </a:ext>
+            </a:extLst>
+          </p:cNvPr>
+          <p:cNvSpPr/>
+          <p:nvPr/>
+        </p:nvSpPr>
+        <p:spPr>
+          <a:xfrm>
+            <a:off x="4195263" y="3074337"/>
+            <a:ext cx="216000" cy="216000"/>
+          </a:xfrm>
+          <a:prstGeom prst="ellipse">
+            <a:avLst/>
+          </a:prstGeom>
+          <a:solidFill>
+            <a:srgbClr val="FF0000"/>
+          </a:solidFill>
+          <a:ln>
+            <a:noFill/>
+          </a:ln>
+        </p:spPr>
+        <p:style>
+          <a:lnRef idx="2">
+            <a:schemeClr val="accent1">
+              <a:shade val="50000"/>
+            </a:schemeClr>
+          </a:lnRef>
+          <a:fillRef idx="1">
+            <a:schemeClr val="accent1"/>
+          </a:fillRef>
+          <a:effectRef idx="0">
+            <a:schemeClr val="accent1"/>
+          </a:effectRef>
+          <a:fontRef idx="minor">
+            <a:schemeClr val="lt1"/>
+          </a:fontRef>
+        </p:style>
+        <p:txBody>
+          <a:bodyPr wrap="none" lIns="0" tIns="0" rIns="0" bIns="0" rtlCol="0" anchor="ctr"/>
+          <a:lstStyle/>
+          <a:p>
+            <a:pPr algn="ctr"/>
+            <a:r>
+              <a:rPr lang="en-US" altLang="ko-KR" sz="1100">
+                <a:solidFill>
+                  <a:schemeClr val="bg1"/>
+                </a:solidFill>
+                <a:latin typeface="타이포_씨고딕 140" panose="02020503020101020101" pitchFamily="18" charset="-127"/>
+                <a:ea typeface="타이포_씨고딕 140" panose="02020503020101020101" pitchFamily="18" charset="-127"/>
+              </a:rPr>
+              <a:t>3</a:t>
+            </a:r>
+            <a:endParaRPr lang="ko-KR" altLang="en-US" sz="1100" dirty="0">
+              <a:solidFill>
+                <a:schemeClr val="bg1"/>
+              </a:solidFill>
+              <a:latin typeface="타이포_씨고딕 140" panose="02020503020101020101" pitchFamily="18" charset="-127"/>
+              <a:ea typeface="타이포_씨고딕 140" panose="02020503020101020101" pitchFamily="18" charset="-127"/>
+            </a:endParaRPr>
+          </a:p>
+        </p:txBody>
+      </p:sp>
+      <p:sp>
+        <p:nvSpPr>
+          <p:cNvPr id="12" name="TextBox 11">
+            <a:extLst>
+              <a:ext uri="{FF2B5EF4-FFF2-40B4-BE49-F238E27FC236}">
+                <a16:creationId xmlns:a16="http://schemas.microsoft.com/office/drawing/2014/main" id="{14D69C2F-0F72-5EE3-475D-0C4F57362D43}"/>
+              </a:ext>
+            </a:extLst>
+          </p:cNvPr>
+          <p:cNvSpPr txBox="1"/>
+          <p:nvPr/>
+        </p:nvSpPr>
+        <p:spPr>
+          <a:xfrm>
+            <a:off x="8211125" y="446831"/>
+            <a:ext cx="3820454" cy="954107"/>
+          </a:xfrm>
+          <a:prstGeom prst="rect">
+            <a:avLst/>
+          </a:prstGeom>
+          <a:noFill/>
+        </p:spPr>
+        <p:txBody>
+          <a:bodyPr wrap="square" rtlCol="0">
+            <a:spAutoFit/>
+          </a:bodyPr>
+          <a:lstStyle/>
+          <a:p>
+            <a:r>
+              <a:rPr lang="en-US" altLang="ko-KR" sz="1400" b="1"/>
+              <a:t>[1] </a:t>
+            </a:r>
+            <a:r>
+              <a:rPr lang="ko-KR" altLang="en-US" sz="1400" b="1"/>
+              <a:t>마커 정보</a:t>
+            </a:r>
+            <a:endParaRPr lang="en-US" altLang="ko-KR" sz="1400" b="1"/>
+          </a:p>
+          <a:p>
+            <a:pPr marL="285750" indent="-285750">
+              <a:buFontTx/>
+              <a:buChar char="-"/>
+            </a:pPr>
+            <a:r>
+              <a:rPr lang="ko-KR" altLang="en-US" sz="1400"/>
+              <a:t>지금까지 작성한 마커 정보 내역</a:t>
+            </a:r>
+            <a:r>
+              <a:rPr lang="en-US" altLang="ko-KR" sz="1400"/>
+              <a:t> </a:t>
+            </a:r>
+            <a:r>
+              <a:rPr lang="ko-KR" altLang="en-US" sz="1400"/>
+              <a:t>확인</a:t>
+            </a:r>
+            <a:endParaRPr lang="en-US" altLang="ko-KR" sz="1400"/>
+          </a:p>
+          <a:p>
+            <a:pPr marL="285750" indent="-285750">
+              <a:buFontTx/>
+              <a:buChar char="-"/>
+            </a:pPr>
+            <a:r>
+              <a:rPr lang="ko-KR" altLang="en-US" sz="1400"/>
+              <a:t>클릭 시 해당 마커로 이동</a:t>
+            </a:r>
+            <a:endParaRPr lang="en-US" altLang="ko-KR" sz="1400"/>
+          </a:p>
+          <a:p>
+            <a:pPr marL="285750" indent="-285750">
+              <a:buFontTx/>
+              <a:buChar char="-"/>
+            </a:pPr>
+            <a:endParaRPr lang="en-US" altLang="ko-KR" sz="1400" b="1"/>
+          </a:p>
+        </p:txBody>
+      </p:sp>
     </p:spTree>
     <p:extLst>
       <p:ext uri="{BB962C8B-B14F-4D97-AF65-F5344CB8AC3E}">
@@ -7922,6 +10320,365 @@
           </a:p>
         </p:txBody>
       </p:sp>
+      <p:pic>
+        <p:nvPicPr>
+          <p:cNvPr id="8" name="그림 7" descr="텍스트, 스크린샷, 번호, 전자제품이(가) 표시된 사진&#10;&#10;자동 생성된 설명">
+            <a:extLst>
+              <a:ext uri="{FF2B5EF4-FFF2-40B4-BE49-F238E27FC236}">
+                <a16:creationId xmlns:a16="http://schemas.microsoft.com/office/drawing/2014/main" id="{3628672C-DD72-4B83-7F0D-4F939826C2AB}"/>
+              </a:ext>
+            </a:extLst>
+          </p:cNvPr>
+          <p:cNvPicPr>
+            <a:picLocks noChangeAspect="1"/>
+          </p:cNvPicPr>
+          <p:nvPr/>
+        </p:nvPicPr>
+        <p:blipFill>
+          <a:blip r:embed="rId2">
+            <a:extLst>
+              <a:ext uri="{28A0092B-C50C-407E-A947-70E740481C1C}">
+                <a14:useLocalDpi xmlns:a14="http://schemas.microsoft.com/office/drawing/2010/main" val="0"/>
+              </a:ext>
+            </a:extLst>
+          </a:blip>
+          <a:stretch>
+            <a:fillRect/>
+          </a:stretch>
+        </p:blipFill>
+        <p:spPr>
+          <a:xfrm>
+            <a:off x="2281382" y="636791"/>
+            <a:ext cx="3140389" cy="6138530"/>
+          </a:xfrm>
+          <a:prstGeom prst="rect">
+            <a:avLst/>
+          </a:prstGeom>
+        </p:spPr>
+      </p:pic>
+      <p:sp>
+        <p:nvSpPr>
+          <p:cNvPr id="9" name="타원 8">
+            <a:extLst>
+              <a:ext uri="{FF2B5EF4-FFF2-40B4-BE49-F238E27FC236}">
+                <a16:creationId xmlns:a16="http://schemas.microsoft.com/office/drawing/2014/main" id="{537E9289-99DD-B484-D4D9-AA4241915E21}"/>
+              </a:ext>
+            </a:extLst>
+          </p:cNvPr>
+          <p:cNvSpPr/>
+          <p:nvPr/>
+        </p:nvSpPr>
+        <p:spPr>
+          <a:xfrm>
+            <a:off x="4795626" y="2289246"/>
+            <a:ext cx="216000" cy="216000"/>
+          </a:xfrm>
+          <a:prstGeom prst="ellipse">
+            <a:avLst/>
+          </a:prstGeom>
+          <a:solidFill>
+            <a:srgbClr val="FF0000"/>
+          </a:solidFill>
+          <a:ln>
+            <a:noFill/>
+          </a:ln>
+        </p:spPr>
+        <p:style>
+          <a:lnRef idx="2">
+            <a:schemeClr val="accent1">
+              <a:shade val="50000"/>
+            </a:schemeClr>
+          </a:lnRef>
+          <a:fillRef idx="1">
+            <a:schemeClr val="accent1"/>
+          </a:fillRef>
+          <a:effectRef idx="0">
+            <a:schemeClr val="accent1"/>
+          </a:effectRef>
+          <a:fontRef idx="minor">
+            <a:schemeClr val="lt1"/>
+          </a:fontRef>
+        </p:style>
+        <p:txBody>
+          <a:bodyPr wrap="none" lIns="0" tIns="0" rIns="0" bIns="0" rtlCol="0" anchor="ctr"/>
+          <a:lstStyle/>
+          <a:p>
+            <a:pPr algn="ctr"/>
+            <a:r>
+              <a:rPr lang="en-US" altLang="ko-KR" sz="1100">
+                <a:solidFill>
+                  <a:schemeClr val="bg1"/>
+                </a:solidFill>
+                <a:latin typeface="타이포_씨고딕 140" panose="02020503020101020101" pitchFamily="18" charset="-127"/>
+                <a:ea typeface="타이포_씨고딕 140" panose="02020503020101020101" pitchFamily="18" charset="-127"/>
+              </a:rPr>
+              <a:t>1</a:t>
+            </a:r>
+            <a:endParaRPr lang="ko-KR" altLang="en-US" sz="1100" dirty="0">
+              <a:solidFill>
+                <a:schemeClr val="bg1"/>
+              </a:solidFill>
+              <a:latin typeface="타이포_씨고딕 140" panose="02020503020101020101" pitchFamily="18" charset="-127"/>
+              <a:ea typeface="타이포_씨고딕 140" panose="02020503020101020101" pitchFamily="18" charset="-127"/>
+            </a:endParaRPr>
+          </a:p>
+        </p:txBody>
+      </p:sp>
+      <p:sp>
+        <p:nvSpPr>
+          <p:cNvPr id="10" name="타원 9">
+            <a:extLst>
+              <a:ext uri="{FF2B5EF4-FFF2-40B4-BE49-F238E27FC236}">
+                <a16:creationId xmlns:a16="http://schemas.microsoft.com/office/drawing/2014/main" id="{D878ACE5-7513-FEE4-70AB-AFDFC33B1B8F}"/>
+              </a:ext>
+            </a:extLst>
+          </p:cNvPr>
+          <p:cNvSpPr/>
+          <p:nvPr/>
+        </p:nvSpPr>
+        <p:spPr>
+          <a:xfrm>
+            <a:off x="2541954" y="4912373"/>
+            <a:ext cx="216000" cy="216000"/>
+          </a:xfrm>
+          <a:prstGeom prst="ellipse">
+            <a:avLst/>
+          </a:prstGeom>
+          <a:solidFill>
+            <a:srgbClr val="FF0000"/>
+          </a:solidFill>
+          <a:ln>
+            <a:noFill/>
+          </a:ln>
+        </p:spPr>
+        <p:style>
+          <a:lnRef idx="2">
+            <a:schemeClr val="accent1">
+              <a:shade val="50000"/>
+            </a:schemeClr>
+          </a:lnRef>
+          <a:fillRef idx="1">
+            <a:schemeClr val="accent1"/>
+          </a:fillRef>
+          <a:effectRef idx="0">
+            <a:schemeClr val="accent1"/>
+          </a:effectRef>
+          <a:fontRef idx="minor">
+            <a:schemeClr val="lt1"/>
+          </a:fontRef>
+        </p:style>
+        <p:txBody>
+          <a:bodyPr wrap="none" lIns="0" tIns="0" rIns="0" bIns="0" rtlCol="0" anchor="ctr"/>
+          <a:lstStyle/>
+          <a:p>
+            <a:pPr algn="ctr"/>
+            <a:r>
+              <a:rPr lang="en-US" altLang="ko-KR" sz="1100">
+                <a:solidFill>
+                  <a:schemeClr val="bg1"/>
+                </a:solidFill>
+                <a:latin typeface="타이포_씨고딕 140" panose="02020503020101020101" pitchFamily="18" charset="-127"/>
+                <a:ea typeface="타이포_씨고딕 140" panose="02020503020101020101" pitchFamily="18" charset="-127"/>
+              </a:rPr>
+              <a:t>2</a:t>
+            </a:r>
+            <a:endParaRPr lang="ko-KR" altLang="en-US" sz="1100" dirty="0">
+              <a:solidFill>
+                <a:schemeClr val="bg1"/>
+              </a:solidFill>
+              <a:latin typeface="타이포_씨고딕 140" panose="02020503020101020101" pitchFamily="18" charset="-127"/>
+              <a:ea typeface="타이포_씨고딕 140" panose="02020503020101020101" pitchFamily="18" charset="-127"/>
+            </a:endParaRPr>
+          </a:p>
+        </p:txBody>
+      </p:sp>
+      <p:sp>
+        <p:nvSpPr>
+          <p:cNvPr id="11" name="타원 10">
+            <a:extLst>
+              <a:ext uri="{FF2B5EF4-FFF2-40B4-BE49-F238E27FC236}">
+                <a16:creationId xmlns:a16="http://schemas.microsoft.com/office/drawing/2014/main" id="{BDCFA3D2-3D26-3FD1-A877-06BF5225E853}"/>
+              </a:ext>
+            </a:extLst>
+          </p:cNvPr>
+          <p:cNvSpPr/>
+          <p:nvPr/>
+        </p:nvSpPr>
+        <p:spPr>
+          <a:xfrm>
+            <a:off x="3234681" y="5281828"/>
+            <a:ext cx="216000" cy="216000"/>
+          </a:xfrm>
+          <a:prstGeom prst="ellipse">
+            <a:avLst/>
+          </a:prstGeom>
+          <a:solidFill>
+            <a:srgbClr val="FF0000"/>
+          </a:solidFill>
+          <a:ln>
+            <a:noFill/>
+          </a:ln>
+        </p:spPr>
+        <p:style>
+          <a:lnRef idx="2">
+            <a:schemeClr val="accent1">
+              <a:shade val="50000"/>
+            </a:schemeClr>
+          </a:lnRef>
+          <a:fillRef idx="1">
+            <a:schemeClr val="accent1"/>
+          </a:fillRef>
+          <a:effectRef idx="0">
+            <a:schemeClr val="accent1"/>
+          </a:effectRef>
+          <a:fontRef idx="minor">
+            <a:schemeClr val="lt1"/>
+          </a:fontRef>
+        </p:style>
+        <p:txBody>
+          <a:bodyPr wrap="none" lIns="0" tIns="0" rIns="0" bIns="0" rtlCol="0" anchor="ctr"/>
+          <a:lstStyle/>
+          <a:p>
+            <a:pPr algn="ctr"/>
+            <a:r>
+              <a:rPr lang="en-US" altLang="ko-KR" sz="1100">
+                <a:solidFill>
+                  <a:schemeClr val="bg1"/>
+                </a:solidFill>
+                <a:latin typeface="타이포_씨고딕 140" panose="02020503020101020101" pitchFamily="18" charset="-127"/>
+                <a:ea typeface="타이포_씨고딕 140" panose="02020503020101020101" pitchFamily="18" charset="-127"/>
+              </a:rPr>
+              <a:t>3</a:t>
+            </a:r>
+            <a:endParaRPr lang="ko-KR" altLang="en-US" sz="1100" dirty="0">
+              <a:solidFill>
+                <a:schemeClr val="bg1"/>
+              </a:solidFill>
+              <a:latin typeface="타이포_씨고딕 140" panose="02020503020101020101" pitchFamily="18" charset="-127"/>
+              <a:ea typeface="타이포_씨고딕 140" panose="02020503020101020101" pitchFamily="18" charset="-127"/>
+            </a:endParaRPr>
+          </a:p>
+        </p:txBody>
+      </p:sp>
+      <p:sp>
+        <p:nvSpPr>
+          <p:cNvPr id="12" name="TextBox 11">
+            <a:extLst>
+              <a:ext uri="{FF2B5EF4-FFF2-40B4-BE49-F238E27FC236}">
+                <a16:creationId xmlns:a16="http://schemas.microsoft.com/office/drawing/2014/main" id="{88246982-C405-0354-0547-65BB9932A73B}"/>
+              </a:ext>
+            </a:extLst>
+          </p:cNvPr>
+          <p:cNvSpPr txBox="1"/>
+          <p:nvPr/>
+        </p:nvSpPr>
+        <p:spPr>
+          <a:xfrm>
+            <a:off x="8211125" y="446831"/>
+            <a:ext cx="3820454" cy="2462213"/>
+          </a:xfrm>
+          <a:prstGeom prst="rect">
+            <a:avLst/>
+          </a:prstGeom>
+          <a:noFill/>
+        </p:spPr>
+        <p:txBody>
+          <a:bodyPr wrap="square" rtlCol="0">
+            <a:spAutoFit/>
+          </a:bodyPr>
+          <a:lstStyle/>
+          <a:p>
+            <a:r>
+              <a:rPr lang="en-US" altLang="ko-KR" sz="1400" b="1"/>
+              <a:t>[1] </a:t>
+            </a:r>
+            <a:r>
+              <a:rPr lang="ko-KR" altLang="en-US" sz="1400" b="1"/>
+              <a:t>달력 수정</a:t>
+            </a:r>
+            <a:endParaRPr lang="en-US" altLang="ko-KR" sz="1400" b="1"/>
+          </a:p>
+          <a:p>
+            <a:pPr marL="285750" indent="-285750">
+              <a:buFontTx/>
+              <a:buChar char="-"/>
+            </a:pPr>
+            <a:r>
+              <a:rPr lang="ko-KR" altLang="en-US" sz="1400"/>
+              <a:t>클릭 시 달력 일정 수정 화면으로 이동</a:t>
+            </a:r>
+            <a:endParaRPr lang="en-US" altLang="ko-KR" sz="1400"/>
+          </a:p>
+          <a:p>
+            <a:pPr marL="285750" indent="-285750">
+              <a:buFontTx/>
+              <a:buChar char="-"/>
+            </a:pPr>
+            <a:r>
+              <a:rPr lang="ko-KR" altLang="en-US" sz="1400"/>
+              <a:t>달력에는 추가한 일정 표시</a:t>
+            </a:r>
+            <a:endParaRPr lang="en-US" altLang="ko-KR" sz="1400"/>
+          </a:p>
+          <a:p>
+            <a:endParaRPr lang="en-US" altLang="ko-KR" sz="1400"/>
+          </a:p>
+          <a:p>
+            <a:r>
+              <a:rPr lang="en-US" altLang="ko-KR" sz="1400" b="1"/>
+              <a:t>[2] </a:t>
+            </a:r>
+            <a:r>
+              <a:rPr lang="ko-KR" altLang="en-US" sz="1400" b="1"/>
+              <a:t>오늘 일정</a:t>
+            </a:r>
+            <a:endParaRPr lang="en-US" altLang="ko-KR" sz="1400" b="1"/>
+          </a:p>
+          <a:p>
+            <a:pPr marL="285750" indent="-285750">
+              <a:buFontTx/>
+              <a:buChar char="-"/>
+            </a:pPr>
+            <a:r>
+              <a:rPr lang="ko-KR" altLang="en-US" sz="1400"/>
+              <a:t>어떤 일정이 있는지 확인 가능</a:t>
+            </a:r>
+            <a:endParaRPr lang="en-US" altLang="ko-KR" sz="1400"/>
+          </a:p>
+          <a:p>
+            <a:endParaRPr lang="en-US" altLang="ko-KR" sz="1400" b="1"/>
+          </a:p>
+          <a:p>
+            <a:r>
+              <a:rPr lang="en-US" altLang="ko-KR" sz="1400" b="1"/>
+              <a:t>[3] </a:t>
+            </a:r>
+            <a:r>
+              <a:rPr lang="ko-KR" altLang="en-US" sz="1400" b="1"/>
+              <a:t>일정 추가 버튼</a:t>
+            </a:r>
+            <a:endParaRPr lang="en-US" altLang="ko-KR" sz="1400"/>
+          </a:p>
+          <a:p>
+            <a:r>
+              <a:rPr lang="en-US" altLang="ko-KR" sz="1400"/>
+              <a:t>- </a:t>
+            </a:r>
+            <a:r>
+              <a:rPr lang="ko-KR" altLang="en-US" sz="1400"/>
+              <a:t>일정 추가 버튼 클릭 시 달력 수정 화면으로 이동</a:t>
+            </a:r>
+            <a:endParaRPr lang="en-US" altLang="ko-KR" sz="1400"/>
+          </a:p>
+          <a:p>
+            <a:pPr marL="285750" indent="-285750">
+              <a:buFontTx/>
+              <a:buChar char="-"/>
+            </a:pPr>
+            <a:endParaRPr lang="en-US" altLang="ko-KR" sz="1400" b="1"/>
+          </a:p>
+        </p:txBody>
+      </p:sp>
     </p:spTree>
     <p:extLst>
       <p:ext uri="{BB962C8B-B14F-4D97-AF65-F5344CB8AC3E}">
@@ -8381,6 +11138,477 @@
           <a:p>
             <a:pPr algn="ctr"/>
             <a:endParaRPr lang="ko-KR" altLang="en-US"/>
+          </a:p>
+        </p:txBody>
+      </p:sp>
+      <p:pic>
+        <p:nvPicPr>
+          <p:cNvPr id="8" name="그림 7" descr="텍스트, 휴대 전화, 정보기기, 통신 장치이(가) 표시된 사진&#10;&#10;자동 생성된 설명">
+            <a:extLst>
+              <a:ext uri="{FF2B5EF4-FFF2-40B4-BE49-F238E27FC236}">
+                <a16:creationId xmlns:a16="http://schemas.microsoft.com/office/drawing/2014/main" id="{F3626560-6970-FC2C-A049-B4AB709115A7}"/>
+              </a:ext>
+            </a:extLst>
+          </p:cNvPr>
+          <p:cNvPicPr>
+            <a:picLocks noChangeAspect="1"/>
+          </p:cNvPicPr>
+          <p:nvPr/>
+        </p:nvPicPr>
+        <p:blipFill>
+          <a:blip r:embed="rId2">
+            <a:extLst>
+              <a:ext uri="{28A0092B-C50C-407E-A947-70E740481C1C}">
+                <a14:useLocalDpi xmlns:a14="http://schemas.microsoft.com/office/drawing/2010/main" val="0"/>
+              </a:ext>
+            </a:extLst>
+          </a:blip>
+          <a:stretch>
+            <a:fillRect/>
+          </a:stretch>
+        </p:blipFill>
+        <p:spPr>
+          <a:xfrm>
+            <a:off x="2288497" y="554182"/>
+            <a:ext cx="3218499" cy="6303818"/>
+          </a:xfrm>
+          <a:prstGeom prst="rect">
+            <a:avLst/>
+          </a:prstGeom>
+        </p:spPr>
+      </p:pic>
+      <p:sp>
+        <p:nvSpPr>
+          <p:cNvPr id="9" name="타원 8">
+            <a:extLst>
+              <a:ext uri="{FF2B5EF4-FFF2-40B4-BE49-F238E27FC236}">
+                <a16:creationId xmlns:a16="http://schemas.microsoft.com/office/drawing/2014/main" id="{2BCCBEE8-6BBC-D5FE-87C5-2C0230D817F0}"/>
+              </a:ext>
+            </a:extLst>
+          </p:cNvPr>
+          <p:cNvSpPr/>
+          <p:nvPr/>
+        </p:nvSpPr>
+        <p:spPr>
+          <a:xfrm>
+            <a:off x="2960426" y="1457973"/>
+            <a:ext cx="216000" cy="216000"/>
+          </a:xfrm>
+          <a:prstGeom prst="ellipse">
+            <a:avLst/>
+          </a:prstGeom>
+          <a:solidFill>
+            <a:srgbClr val="FF0000"/>
+          </a:solidFill>
+          <a:ln>
+            <a:noFill/>
+          </a:ln>
+        </p:spPr>
+        <p:style>
+          <a:lnRef idx="2">
+            <a:schemeClr val="accent1">
+              <a:shade val="50000"/>
+            </a:schemeClr>
+          </a:lnRef>
+          <a:fillRef idx="1">
+            <a:schemeClr val="accent1"/>
+          </a:fillRef>
+          <a:effectRef idx="0">
+            <a:schemeClr val="accent1"/>
+          </a:effectRef>
+          <a:fontRef idx="minor">
+            <a:schemeClr val="lt1"/>
+          </a:fontRef>
+        </p:style>
+        <p:txBody>
+          <a:bodyPr wrap="none" lIns="0" tIns="0" rIns="0" bIns="0" rtlCol="0" anchor="ctr"/>
+          <a:lstStyle/>
+          <a:p>
+            <a:pPr algn="ctr"/>
+            <a:r>
+              <a:rPr lang="en-US" altLang="ko-KR" sz="1100">
+                <a:solidFill>
+                  <a:schemeClr val="bg1"/>
+                </a:solidFill>
+                <a:latin typeface="타이포_씨고딕 140" panose="02020503020101020101" pitchFamily="18" charset="-127"/>
+                <a:ea typeface="타이포_씨고딕 140" panose="02020503020101020101" pitchFamily="18" charset="-127"/>
+              </a:rPr>
+              <a:t>1</a:t>
+            </a:r>
+            <a:endParaRPr lang="ko-KR" altLang="en-US" sz="1100" dirty="0">
+              <a:solidFill>
+                <a:schemeClr val="bg1"/>
+              </a:solidFill>
+              <a:latin typeface="타이포_씨고딕 140" panose="02020503020101020101" pitchFamily="18" charset="-127"/>
+              <a:ea typeface="타이포_씨고딕 140" panose="02020503020101020101" pitchFamily="18" charset="-127"/>
+            </a:endParaRPr>
+          </a:p>
+        </p:txBody>
+      </p:sp>
+      <p:sp>
+        <p:nvSpPr>
+          <p:cNvPr id="10" name="타원 9">
+            <a:extLst>
+              <a:ext uri="{FF2B5EF4-FFF2-40B4-BE49-F238E27FC236}">
+                <a16:creationId xmlns:a16="http://schemas.microsoft.com/office/drawing/2014/main" id="{21145193-22BA-5B1E-64B1-CF566A00EFEA}"/>
+              </a:ext>
+            </a:extLst>
+          </p:cNvPr>
+          <p:cNvSpPr/>
+          <p:nvPr/>
+        </p:nvSpPr>
+        <p:spPr>
+          <a:xfrm>
+            <a:off x="4528491" y="1457973"/>
+            <a:ext cx="216000" cy="216000"/>
+          </a:xfrm>
+          <a:prstGeom prst="ellipse">
+            <a:avLst/>
+          </a:prstGeom>
+          <a:solidFill>
+            <a:srgbClr val="FF0000"/>
+          </a:solidFill>
+          <a:ln>
+            <a:noFill/>
+          </a:ln>
+        </p:spPr>
+        <p:style>
+          <a:lnRef idx="2">
+            <a:schemeClr val="accent1">
+              <a:shade val="50000"/>
+            </a:schemeClr>
+          </a:lnRef>
+          <a:fillRef idx="1">
+            <a:schemeClr val="accent1"/>
+          </a:fillRef>
+          <a:effectRef idx="0">
+            <a:schemeClr val="accent1"/>
+          </a:effectRef>
+          <a:fontRef idx="minor">
+            <a:schemeClr val="lt1"/>
+          </a:fontRef>
+        </p:style>
+        <p:txBody>
+          <a:bodyPr wrap="none" lIns="0" tIns="0" rIns="0" bIns="0" rtlCol="0" anchor="ctr"/>
+          <a:lstStyle/>
+          <a:p>
+            <a:pPr algn="ctr"/>
+            <a:r>
+              <a:rPr lang="en-US" altLang="ko-KR" sz="1100">
+                <a:solidFill>
+                  <a:schemeClr val="bg1"/>
+                </a:solidFill>
+                <a:latin typeface="타이포_씨고딕 140" panose="02020503020101020101" pitchFamily="18" charset="-127"/>
+                <a:ea typeface="타이포_씨고딕 140" panose="02020503020101020101" pitchFamily="18" charset="-127"/>
+              </a:rPr>
+              <a:t>2</a:t>
+            </a:r>
+            <a:endParaRPr lang="ko-KR" altLang="en-US" sz="1100" dirty="0">
+              <a:solidFill>
+                <a:schemeClr val="bg1"/>
+              </a:solidFill>
+              <a:latin typeface="타이포_씨고딕 140" panose="02020503020101020101" pitchFamily="18" charset="-127"/>
+              <a:ea typeface="타이포_씨고딕 140" panose="02020503020101020101" pitchFamily="18" charset="-127"/>
+            </a:endParaRPr>
+          </a:p>
+        </p:txBody>
+      </p:sp>
+      <p:sp>
+        <p:nvSpPr>
+          <p:cNvPr id="11" name="타원 10">
+            <a:extLst>
+              <a:ext uri="{FF2B5EF4-FFF2-40B4-BE49-F238E27FC236}">
+                <a16:creationId xmlns:a16="http://schemas.microsoft.com/office/drawing/2014/main" id="{F9495880-65B7-80C5-1DEA-A8233A8AE4B4}"/>
+              </a:ext>
+            </a:extLst>
+          </p:cNvPr>
+          <p:cNvSpPr/>
+          <p:nvPr/>
+        </p:nvSpPr>
+        <p:spPr>
+          <a:xfrm>
+            <a:off x="2960426" y="1803913"/>
+            <a:ext cx="216000" cy="216000"/>
+          </a:xfrm>
+          <a:prstGeom prst="ellipse">
+            <a:avLst/>
+          </a:prstGeom>
+          <a:solidFill>
+            <a:srgbClr val="FF0000"/>
+          </a:solidFill>
+          <a:ln>
+            <a:noFill/>
+          </a:ln>
+        </p:spPr>
+        <p:style>
+          <a:lnRef idx="2">
+            <a:schemeClr val="accent1">
+              <a:shade val="50000"/>
+            </a:schemeClr>
+          </a:lnRef>
+          <a:fillRef idx="1">
+            <a:schemeClr val="accent1"/>
+          </a:fillRef>
+          <a:effectRef idx="0">
+            <a:schemeClr val="accent1"/>
+          </a:effectRef>
+          <a:fontRef idx="minor">
+            <a:schemeClr val="lt1"/>
+          </a:fontRef>
+        </p:style>
+        <p:txBody>
+          <a:bodyPr wrap="none" lIns="0" tIns="0" rIns="0" bIns="0" rtlCol="0" anchor="ctr"/>
+          <a:lstStyle/>
+          <a:p>
+            <a:pPr algn="ctr"/>
+            <a:r>
+              <a:rPr lang="en-US" altLang="ko-KR" sz="1100">
+                <a:solidFill>
+                  <a:schemeClr val="bg1"/>
+                </a:solidFill>
+                <a:latin typeface="타이포_씨고딕 140" panose="02020503020101020101" pitchFamily="18" charset="-127"/>
+                <a:ea typeface="타이포_씨고딕 140" panose="02020503020101020101" pitchFamily="18" charset="-127"/>
+              </a:rPr>
+              <a:t>3</a:t>
+            </a:r>
+            <a:endParaRPr lang="ko-KR" altLang="en-US" sz="1100" dirty="0">
+              <a:solidFill>
+                <a:schemeClr val="bg1"/>
+              </a:solidFill>
+              <a:latin typeface="타이포_씨고딕 140" panose="02020503020101020101" pitchFamily="18" charset="-127"/>
+              <a:ea typeface="타이포_씨고딕 140" panose="02020503020101020101" pitchFamily="18" charset="-127"/>
+            </a:endParaRPr>
+          </a:p>
+        </p:txBody>
+      </p:sp>
+      <p:sp>
+        <p:nvSpPr>
+          <p:cNvPr id="12" name="타원 11">
+            <a:extLst>
+              <a:ext uri="{FF2B5EF4-FFF2-40B4-BE49-F238E27FC236}">
+                <a16:creationId xmlns:a16="http://schemas.microsoft.com/office/drawing/2014/main" id="{F288327F-E7A0-532F-E662-F87F00F60588}"/>
+              </a:ext>
+            </a:extLst>
+          </p:cNvPr>
+          <p:cNvSpPr/>
+          <p:nvPr/>
+        </p:nvSpPr>
+        <p:spPr>
+          <a:xfrm>
+            <a:off x="3626263" y="2086045"/>
+            <a:ext cx="216000" cy="216000"/>
+          </a:xfrm>
+          <a:prstGeom prst="ellipse">
+            <a:avLst/>
+          </a:prstGeom>
+          <a:solidFill>
+            <a:srgbClr val="FF0000"/>
+          </a:solidFill>
+          <a:ln>
+            <a:noFill/>
+          </a:ln>
+        </p:spPr>
+        <p:style>
+          <a:lnRef idx="2">
+            <a:schemeClr val="accent1">
+              <a:shade val="50000"/>
+            </a:schemeClr>
+          </a:lnRef>
+          <a:fillRef idx="1">
+            <a:schemeClr val="accent1"/>
+          </a:fillRef>
+          <a:effectRef idx="0">
+            <a:schemeClr val="accent1"/>
+          </a:effectRef>
+          <a:fontRef idx="minor">
+            <a:schemeClr val="lt1"/>
+          </a:fontRef>
+        </p:style>
+        <p:txBody>
+          <a:bodyPr wrap="none" lIns="0" tIns="0" rIns="0" bIns="0" rtlCol="0" anchor="ctr"/>
+          <a:lstStyle/>
+          <a:p>
+            <a:pPr algn="ctr"/>
+            <a:r>
+              <a:rPr lang="en-US" altLang="ko-KR" sz="1100">
+                <a:solidFill>
+                  <a:schemeClr val="bg1"/>
+                </a:solidFill>
+                <a:latin typeface="타이포_씨고딕 140" panose="02020503020101020101" pitchFamily="18" charset="-127"/>
+                <a:ea typeface="타이포_씨고딕 140" panose="02020503020101020101" pitchFamily="18" charset="-127"/>
+              </a:rPr>
+              <a:t>4</a:t>
+            </a:r>
+            <a:endParaRPr lang="ko-KR" altLang="en-US" sz="1100" dirty="0">
+              <a:solidFill>
+                <a:schemeClr val="bg1"/>
+              </a:solidFill>
+              <a:latin typeface="타이포_씨고딕 140" panose="02020503020101020101" pitchFamily="18" charset="-127"/>
+              <a:ea typeface="타이포_씨고딕 140" panose="02020503020101020101" pitchFamily="18" charset="-127"/>
+            </a:endParaRPr>
+          </a:p>
+        </p:txBody>
+      </p:sp>
+      <p:sp>
+        <p:nvSpPr>
+          <p:cNvPr id="13" name="TextBox 12">
+            <a:extLst>
+              <a:ext uri="{FF2B5EF4-FFF2-40B4-BE49-F238E27FC236}">
+                <a16:creationId xmlns:a16="http://schemas.microsoft.com/office/drawing/2014/main" id="{B37216A3-12FB-9746-4D2C-CE714449B330}"/>
+              </a:ext>
+            </a:extLst>
+          </p:cNvPr>
+          <p:cNvSpPr txBox="1"/>
+          <p:nvPr/>
+        </p:nvSpPr>
+        <p:spPr>
+          <a:xfrm>
+            <a:off x="8211125" y="446831"/>
+            <a:ext cx="3820454" cy="3323987"/>
+          </a:xfrm>
+          <a:prstGeom prst="rect">
+            <a:avLst/>
+          </a:prstGeom>
+          <a:noFill/>
+        </p:spPr>
+        <p:txBody>
+          <a:bodyPr wrap="square" rtlCol="0">
+            <a:spAutoFit/>
+          </a:bodyPr>
+          <a:lstStyle/>
+          <a:p>
+            <a:r>
+              <a:rPr lang="en-US" altLang="ko-KR" sz="1400" b="1"/>
+              <a:t>[1] </a:t>
+            </a:r>
+            <a:r>
+              <a:rPr lang="ko-KR" altLang="en-US" sz="1400" b="1"/>
+              <a:t>이름</a:t>
+            </a:r>
+            <a:endParaRPr lang="en-US" altLang="ko-KR" sz="1400" b="1"/>
+          </a:p>
+          <a:p>
+            <a:pPr marL="285750" indent="-285750">
+              <a:buFontTx/>
+              <a:buChar char="-"/>
+            </a:pPr>
+            <a:r>
+              <a:rPr lang="ko-KR" altLang="en-US" sz="1400"/>
+              <a:t>이용자의 이름</a:t>
+            </a:r>
+            <a:endParaRPr lang="en-US" altLang="ko-KR" sz="1400"/>
+          </a:p>
+          <a:p>
+            <a:pPr marL="285750" indent="-285750">
+              <a:buFontTx/>
+              <a:buChar char="-"/>
+            </a:pPr>
+            <a:r>
+              <a:rPr lang="ko-KR" altLang="en-US" sz="1400"/>
+              <a:t>한국 이름의 경우 </a:t>
+            </a:r>
+            <a:r>
+              <a:rPr lang="en-US" altLang="ko-KR" sz="1400"/>
+              <a:t>5 </a:t>
+            </a:r>
+            <a:r>
+              <a:rPr lang="ko-KR" altLang="en-US" sz="1400"/>
+              <a:t>글자 까지만</a:t>
+            </a:r>
+            <a:endParaRPr lang="en-US" altLang="ko-KR" sz="1400"/>
+          </a:p>
+          <a:p>
+            <a:endParaRPr lang="en-US" altLang="ko-KR" sz="1400"/>
+          </a:p>
+          <a:p>
+            <a:r>
+              <a:rPr lang="en-US" altLang="ko-KR" sz="1400" b="1"/>
+              <a:t>[2] </a:t>
+            </a:r>
+            <a:r>
+              <a:rPr lang="ko-KR" altLang="en-US" sz="1400" b="1"/>
+              <a:t>로그아웃 버튼</a:t>
+            </a:r>
+            <a:endParaRPr lang="en-US" altLang="ko-KR" sz="1400" b="1"/>
+          </a:p>
+          <a:p>
+            <a:r>
+              <a:rPr lang="en-US" altLang="ko-KR" sz="1400"/>
+              <a:t>-</a:t>
+            </a:r>
+            <a:r>
+              <a:rPr lang="en-US" altLang="ko-KR" sz="1400" b="1"/>
+              <a:t> </a:t>
+            </a:r>
+            <a:r>
+              <a:rPr lang="ko-KR" altLang="en-US" sz="1400"/>
+              <a:t>버튼 클릭 시 로그아웃이 되며 로그인 화면으로 전환</a:t>
+            </a:r>
+            <a:endParaRPr lang="en-US" altLang="ko-KR" sz="1400"/>
+          </a:p>
+          <a:p>
+            <a:endParaRPr lang="en-US" altLang="ko-KR" sz="1400"/>
+          </a:p>
+          <a:p>
+            <a:r>
+              <a:rPr lang="en-US" altLang="ko-KR" sz="1400" b="1"/>
+              <a:t>[2] </a:t>
+            </a:r>
+            <a:r>
+              <a:rPr lang="ko-KR" altLang="en-US" sz="1400" b="1"/>
+              <a:t>이메일</a:t>
+            </a:r>
+            <a:endParaRPr lang="en-US" altLang="ko-KR" sz="1400" b="1"/>
+          </a:p>
+          <a:p>
+            <a:pPr marL="285750" indent="-285750">
+              <a:buFontTx/>
+              <a:buChar char="-"/>
+            </a:pPr>
+            <a:r>
+              <a:rPr lang="ko-KR" altLang="en-US" sz="1400"/>
+              <a:t>이메일 정보 확인</a:t>
+            </a:r>
+            <a:endParaRPr lang="en-US" altLang="ko-KR" sz="1400"/>
+          </a:p>
+          <a:p>
+            <a:pPr marL="285750" indent="-285750">
+              <a:buFontTx/>
+              <a:buChar char="-"/>
+            </a:pPr>
+            <a:endParaRPr lang="en-US" altLang="ko-KR" sz="1400"/>
+          </a:p>
+          <a:p>
+            <a:r>
+              <a:rPr lang="en-US" altLang="ko-KR" sz="1400" b="1"/>
+              <a:t>[4] </a:t>
+            </a:r>
+            <a:r>
+              <a:rPr lang="ko-KR" altLang="en-US" sz="1400" b="1"/>
+              <a:t>앱 버전</a:t>
+            </a:r>
+            <a:endParaRPr lang="en-US" altLang="ko-KR" sz="1400" b="1"/>
+          </a:p>
+          <a:p>
+            <a:r>
+              <a:rPr lang="en-US" altLang="ko-KR" sz="1400"/>
+              <a:t>- </a:t>
+            </a:r>
+            <a:r>
+              <a:rPr lang="ko-KR" altLang="en-US" sz="1400"/>
+              <a:t>앱 버전 화</a:t>
+            </a:r>
+            <a:endParaRPr lang="en-US" altLang="ko-KR" sz="1400"/>
+          </a:p>
+          <a:p>
+            <a:endParaRPr lang="en-US" altLang="ko-KR" sz="1400"/>
+          </a:p>
+          <a:p>
+            <a:r>
+              <a:rPr lang="ko-KR" altLang="en-US" sz="1400"/>
+              <a:t> </a:t>
+            </a:r>
+            <a:endParaRPr lang="en-US" altLang="ko-KR" sz="1400"/>
           </a:p>
         </p:txBody>
       </p:sp>
